--- a/WANJOHI ELVIS MUTHUMBI Reading Assignment.pptx
+++ b/WANJOHI ELVIS MUTHUMBI Reading Assignment.pptx
@@ -5,10 +5,10 @@
     <p:sldMasterId id="2147483660" r:id="rId4"/>
   </p:sldMasterIdLst>
   <p:notesMasterIdLst>
-    <p:notesMasterId r:id="rId14"/>
+    <p:notesMasterId r:id="rId17"/>
   </p:notesMasterIdLst>
   <p:handoutMasterIdLst>
-    <p:handoutMasterId r:id="rId15"/>
+    <p:handoutMasterId r:id="rId18"/>
   </p:handoutMasterIdLst>
   <p:sldIdLst>
     <p:sldId id="256" r:id="rId5"/>
@@ -20,6 +20,9 @@
     <p:sldId id="270" r:id="rId11"/>
     <p:sldId id="271" r:id="rId12"/>
     <p:sldId id="272" r:id="rId13"/>
+    <p:sldId id="273" r:id="rId14"/>
+    <p:sldId id="274" r:id="rId15"/>
+    <p:sldId id="275" r:id="rId16"/>
   </p:sldIdLst>
   <p:sldSz cx="12192000" cy="6858000"/>
   <p:notesSz cx="6858000" cy="9144000"/>
@@ -223,7 +226,7 @@
           <a:p>
             <a:fld id="{C1866161-D383-45DC-9645-1D21647A8641}" type="datetimeFigureOut">
               <a:rPr lang="en-US" smtClean="0"/>
-              <a:t>4/29/2025</a:t>
+              <a:t>5/12/2025</a:t>
             </a:fld>
             <a:endParaRPr lang="en-US" dirty="0"/>
           </a:p>
@@ -400,7 +403,7 @@
           <a:p>
             <a:fld id="{733789D0-CA34-4934-A369-C3113E12A3EF}" type="datetimeFigureOut">
               <a:rPr lang="en-US" smtClean="0"/>
-              <a:t>4/29/2025</a:t>
+              <a:t>5/12/2025</a:t>
             </a:fld>
             <a:endParaRPr lang="en-US" dirty="0"/>
           </a:p>
@@ -823,6 +826,318 @@
 </p:notes>
 </file>
 
+<file path=ppt/notesSlides/notesSlide10.xml><?xml version="1.0" encoding="utf-8"?>
+<p:notes xmlns:a="http://schemas.openxmlformats.org/drawingml/2006/main" xmlns:r="http://schemas.openxmlformats.org/officeDocument/2006/relationships" xmlns:p="http://schemas.openxmlformats.org/presentationml/2006/main">
+  <p:cSld>
+    <p:spTree>
+      <p:nvGrpSpPr>
+        <p:cNvPr id="1" name=""/>
+        <p:cNvGrpSpPr/>
+        <p:nvPr/>
+      </p:nvGrpSpPr>
+      <p:grpSpPr>
+        <a:xfrm>
+          <a:off x="0" y="0"/>
+          <a:ext cx="0" cy="0"/>
+          <a:chOff x="0" y="0"/>
+          <a:chExt cx="0" cy="0"/>
+        </a:xfrm>
+      </p:grpSpPr>
+      <p:sp>
+        <p:nvSpPr>
+          <p:cNvPr id="2" name="Slide Image Placeholder 1"/>
+          <p:cNvSpPr>
+            <a:spLocks noGrp="1" noRot="1" noChangeAspect="1"/>
+          </p:cNvSpPr>
+          <p:nvPr>
+            <p:ph type="sldImg"/>
+          </p:nvPr>
+        </p:nvSpPr>
+        <p:spPr/>
+      </p:sp>
+      <p:sp>
+        <p:nvSpPr>
+          <p:cNvPr id="3" name="Notes Placeholder 2"/>
+          <p:cNvSpPr>
+            <a:spLocks noGrp="1"/>
+          </p:cNvSpPr>
+          <p:nvPr>
+            <p:ph type="body" idx="1"/>
+          </p:nvPr>
+        </p:nvSpPr>
+        <p:spPr/>
+        <p:txBody>
+          <a:bodyPr/>
+          <a:lstStyle/>
+          <a:p>
+            <a:r>
+              <a:rPr lang="en-US" b="1" dirty="0"/>
+              <a:t>Notes to presenter: </a:t>
+            </a:r>
+          </a:p>
+          <a:p>
+            <a:r>
+              <a:rPr lang="en-US" b="0" i="1" dirty="0">
+                <a:latin typeface="Segoe UI" panose="020B0502040204020203" pitchFamily="34" charset="0"/>
+                <a:cs typeface="Segoe UI" panose="020B0502040204020203" pitchFamily="34" charset="0"/>
+              </a:rPr>
+              <a:t>Description of what you learned in your own words on one side.</a:t>
+            </a:r>
+          </a:p>
+          <a:p>
+            <a:pPr marL="171450" indent="-171450">
+              <a:buFont typeface="Arial" panose="020B0604020202020204" pitchFamily="34" charset="0"/>
+              <a:buChar char="•"/>
+            </a:pPr>
+            <a:r>
+              <a:rPr lang="en-US" b="0" i="1" dirty="0">
+                <a:latin typeface="Segoe UI" panose="020B0502040204020203" pitchFamily="34" charset="0"/>
+                <a:cs typeface="Segoe UI" panose="020B0502040204020203" pitchFamily="34" charset="0"/>
+              </a:rPr>
+              <a:t>Include information about the topic </a:t>
+            </a:r>
+          </a:p>
+          <a:p>
+            <a:pPr marL="171450" indent="-171450">
+              <a:buFont typeface="Arial" panose="020B0604020202020204" pitchFamily="34" charset="0"/>
+              <a:buChar char="•"/>
+            </a:pPr>
+            <a:r>
+              <a:rPr lang="en-US" b="0" i="1" dirty="0">
+                <a:latin typeface="Segoe UI" panose="020B0502040204020203" pitchFamily="34" charset="0"/>
+                <a:cs typeface="Segoe UI" panose="020B0502040204020203" pitchFamily="34" charset="0"/>
+              </a:rPr>
+              <a:t>Details about the topic will also be helpful here.  </a:t>
+            </a:r>
+          </a:p>
+          <a:p>
+            <a:pPr marL="171450" indent="-171450">
+              <a:buFont typeface="Arial" panose="020B0604020202020204" pitchFamily="34" charset="0"/>
+              <a:buChar char="•"/>
+            </a:pPr>
+            <a:r>
+              <a:rPr lang="en-US" b="0" i="1" dirty="0">
+                <a:latin typeface="Segoe UI" panose="020B0502040204020203" pitchFamily="34" charset="0"/>
+                <a:cs typeface="Segoe UI" panose="020B0502040204020203" pitchFamily="34" charset="0"/>
+              </a:rPr>
+              <a:t>Tell the story of your learning experience.  Just like a story there should always be a beginning, middle and an end.</a:t>
+            </a:r>
+          </a:p>
+          <a:p>
+            <a:r>
+              <a:rPr lang="en-US" b="0" i="1" dirty="0">
+                <a:latin typeface="Segoe UI" panose="020B0502040204020203" pitchFamily="34" charset="0"/>
+                <a:cs typeface="Segoe UI" panose="020B0502040204020203" pitchFamily="34" charset="0"/>
+              </a:rPr>
+              <a:t>On the other side, you can add a graphic that provides evidence of what you learned.</a:t>
+            </a:r>
+          </a:p>
+          <a:p>
+            <a:endParaRPr lang="en-US" dirty="0"/>
+          </a:p>
+          <a:p>
+            <a:r>
+              <a:rPr lang="en-US" dirty="0"/>
+              <a:t>Feel free to use more than one slide to reflect upon your process.  It also helps to add some video of your process.</a:t>
+            </a:r>
+          </a:p>
+          <a:p>
+            <a:endParaRPr lang="en-US" dirty="0"/>
+          </a:p>
+        </p:txBody>
+      </p:sp>
+      <p:sp>
+        <p:nvSpPr>
+          <p:cNvPr id="4" name="Slide Number Placeholder 3"/>
+          <p:cNvSpPr>
+            <a:spLocks noGrp="1"/>
+          </p:cNvSpPr>
+          <p:nvPr>
+            <p:ph type="sldNum" sz="quarter" idx="10"/>
+          </p:nvPr>
+        </p:nvSpPr>
+        <p:spPr/>
+        <p:txBody>
+          <a:bodyPr/>
+          <a:lstStyle/>
+          <a:p>
+            <a:fld id="{D5D79418-37EB-4378-AD22-89DBB000B0DA}" type="slidenum">
+              <a:rPr lang="en-US" smtClean="0"/>
+              <a:t>11</a:t>
+            </a:fld>
+            <a:endParaRPr lang="en-US" dirty="0"/>
+          </a:p>
+        </p:txBody>
+      </p:sp>
+    </p:spTree>
+    <p:extLst>
+      <p:ext uri="{BB962C8B-B14F-4D97-AF65-F5344CB8AC3E}">
+        <p14:creationId xmlns:p14="http://schemas.microsoft.com/office/powerpoint/2010/main" val="2093664683"/>
+      </p:ext>
+    </p:extLst>
+  </p:cSld>
+  <p:clrMapOvr>
+    <a:masterClrMapping/>
+  </p:clrMapOvr>
+</p:notes>
+</file>
+
+<file path=ppt/notesSlides/notesSlide11.xml><?xml version="1.0" encoding="utf-8"?>
+<p:notes xmlns:a="http://schemas.openxmlformats.org/drawingml/2006/main" xmlns:r="http://schemas.openxmlformats.org/officeDocument/2006/relationships" xmlns:p="http://schemas.openxmlformats.org/presentationml/2006/main">
+  <p:cSld>
+    <p:spTree>
+      <p:nvGrpSpPr>
+        <p:cNvPr id="1" name=""/>
+        <p:cNvGrpSpPr/>
+        <p:nvPr/>
+      </p:nvGrpSpPr>
+      <p:grpSpPr>
+        <a:xfrm>
+          <a:off x="0" y="0"/>
+          <a:ext cx="0" cy="0"/>
+          <a:chOff x="0" y="0"/>
+          <a:chExt cx="0" cy="0"/>
+        </a:xfrm>
+      </p:grpSpPr>
+      <p:sp>
+        <p:nvSpPr>
+          <p:cNvPr id="2" name="Slide Image Placeholder 1"/>
+          <p:cNvSpPr>
+            <a:spLocks noGrp="1" noRot="1" noChangeAspect="1"/>
+          </p:cNvSpPr>
+          <p:nvPr>
+            <p:ph type="sldImg"/>
+          </p:nvPr>
+        </p:nvSpPr>
+        <p:spPr/>
+      </p:sp>
+      <p:sp>
+        <p:nvSpPr>
+          <p:cNvPr id="3" name="Notes Placeholder 2"/>
+          <p:cNvSpPr>
+            <a:spLocks noGrp="1"/>
+          </p:cNvSpPr>
+          <p:nvPr>
+            <p:ph type="body" idx="1"/>
+          </p:nvPr>
+        </p:nvSpPr>
+        <p:spPr/>
+        <p:txBody>
+          <a:bodyPr/>
+          <a:lstStyle/>
+          <a:p>
+            <a:r>
+              <a:rPr lang="en-US" b="1" dirty="0"/>
+              <a:t>Notes to presenter: </a:t>
+            </a:r>
+          </a:p>
+          <a:p>
+            <a:r>
+              <a:rPr lang="en-US" b="0" i="1" dirty="0">
+                <a:latin typeface="Segoe UI" panose="020B0502040204020203" pitchFamily="34" charset="0"/>
+                <a:cs typeface="Segoe UI" panose="020B0502040204020203" pitchFamily="34" charset="0"/>
+              </a:rPr>
+              <a:t>Description of what you learned in your own words on one side.</a:t>
+            </a:r>
+          </a:p>
+          <a:p>
+            <a:pPr marL="171450" indent="-171450">
+              <a:buFont typeface="Arial" panose="020B0604020202020204" pitchFamily="34" charset="0"/>
+              <a:buChar char="•"/>
+            </a:pPr>
+            <a:r>
+              <a:rPr lang="en-US" b="0" i="1" dirty="0">
+                <a:latin typeface="Segoe UI" panose="020B0502040204020203" pitchFamily="34" charset="0"/>
+                <a:cs typeface="Segoe UI" panose="020B0502040204020203" pitchFamily="34" charset="0"/>
+              </a:rPr>
+              <a:t>Include information about the topic </a:t>
+            </a:r>
+          </a:p>
+          <a:p>
+            <a:pPr marL="171450" indent="-171450">
+              <a:buFont typeface="Arial" panose="020B0604020202020204" pitchFamily="34" charset="0"/>
+              <a:buChar char="•"/>
+            </a:pPr>
+            <a:r>
+              <a:rPr lang="en-US" b="0" i="1" dirty="0">
+                <a:latin typeface="Segoe UI" panose="020B0502040204020203" pitchFamily="34" charset="0"/>
+                <a:cs typeface="Segoe UI" panose="020B0502040204020203" pitchFamily="34" charset="0"/>
+              </a:rPr>
+              <a:t>Details about the topic will also be helpful here.  </a:t>
+            </a:r>
+          </a:p>
+          <a:p>
+            <a:pPr marL="171450" indent="-171450">
+              <a:buFont typeface="Arial" panose="020B0604020202020204" pitchFamily="34" charset="0"/>
+              <a:buChar char="•"/>
+            </a:pPr>
+            <a:r>
+              <a:rPr lang="en-US" b="0" i="1" dirty="0">
+                <a:latin typeface="Segoe UI" panose="020B0502040204020203" pitchFamily="34" charset="0"/>
+                <a:cs typeface="Segoe UI" panose="020B0502040204020203" pitchFamily="34" charset="0"/>
+              </a:rPr>
+              <a:t>Tell the story of your learning experience.  Just like a story there should always be a beginning, middle and an end.</a:t>
+            </a:r>
+          </a:p>
+          <a:p>
+            <a:r>
+              <a:rPr lang="en-US" b="0" i="1" dirty="0">
+                <a:latin typeface="Segoe UI" panose="020B0502040204020203" pitchFamily="34" charset="0"/>
+                <a:cs typeface="Segoe UI" panose="020B0502040204020203" pitchFamily="34" charset="0"/>
+              </a:rPr>
+              <a:t>On the other side, you can add a graphic that provides evidence of what you learned.</a:t>
+            </a:r>
+          </a:p>
+          <a:p>
+            <a:endParaRPr lang="en-US" dirty="0"/>
+          </a:p>
+          <a:p>
+            <a:r>
+              <a:rPr lang="en-US" dirty="0"/>
+              <a:t>Feel free to use more than one slide to reflect upon your process.  It also helps to add some video of your process.</a:t>
+            </a:r>
+          </a:p>
+          <a:p>
+            <a:endParaRPr lang="en-US" dirty="0"/>
+          </a:p>
+        </p:txBody>
+      </p:sp>
+      <p:sp>
+        <p:nvSpPr>
+          <p:cNvPr id="4" name="Slide Number Placeholder 3"/>
+          <p:cNvSpPr>
+            <a:spLocks noGrp="1"/>
+          </p:cNvSpPr>
+          <p:nvPr>
+            <p:ph type="sldNum" sz="quarter" idx="10"/>
+          </p:nvPr>
+        </p:nvSpPr>
+        <p:spPr/>
+        <p:txBody>
+          <a:bodyPr/>
+          <a:lstStyle/>
+          <a:p>
+            <a:fld id="{D5D79418-37EB-4378-AD22-89DBB000B0DA}" type="slidenum">
+              <a:rPr lang="en-US" smtClean="0"/>
+              <a:t>12</a:t>
+            </a:fld>
+            <a:endParaRPr lang="en-US" dirty="0"/>
+          </a:p>
+        </p:txBody>
+      </p:sp>
+    </p:spTree>
+    <p:extLst>
+      <p:ext uri="{BB962C8B-B14F-4D97-AF65-F5344CB8AC3E}">
+        <p14:creationId xmlns:p14="http://schemas.microsoft.com/office/powerpoint/2010/main" val="631532172"/>
+      </p:ext>
+    </p:extLst>
+  </p:cSld>
+  <p:clrMapOvr>
+    <a:masterClrMapping/>
+  </p:clrMapOvr>
+</p:notes>
+</file>
+
 <file path=ppt/notesSlides/notesSlide2.xml><?xml version="1.0" encoding="utf-8"?>
 <p:notes xmlns:a="http://schemas.openxmlformats.org/drawingml/2006/main" xmlns:r="http://schemas.openxmlformats.org/officeDocument/2006/relationships" xmlns:p="http://schemas.openxmlformats.org/presentationml/2006/main">
   <p:cSld>
@@ -1934,6 +2249,162 @@
     <p:extLst>
       <p:ext uri="{BB962C8B-B14F-4D97-AF65-F5344CB8AC3E}">
         <p14:creationId xmlns:p14="http://schemas.microsoft.com/office/powerpoint/2010/main" val="3807412535"/>
+      </p:ext>
+    </p:extLst>
+  </p:cSld>
+  <p:clrMapOvr>
+    <a:masterClrMapping/>
+  </p:clrMapOvr>
+</p:notes>
+</file>
+
+<file path=ppt/notesSlides/notesSlide9.xml><?xml version="1.0" encoding="utf-8"?>
+<p:notes xmlns:a="http://schemas.openxmlformats.org/drawingml/2006/main" xmlns:r="http://schemas.openxmlformats.org/officeDocument/2006/relationships" xmlns:p="http://schemas.openxmlformats.org/presentationml/2006/main">
+  <p:cSld>
+    <p:spTree>
+      <p:nvGrpSpPr>
+        <p:cNvPr id="1" name=""/>
+        <p:cNvGrpSpPr/>
+        <p:nvPr/>
+      </p:nvGrpSpPr>
+      <p:grpSpPr>
+        <a:xfrm>
+          <a:off x="0" y="0"/>
+          <a:ext cx="0" cy="0"/>
+          <a:chOff x="0" y="0"/>
+          <a:chExt cx="0" cy="0"/>
+        </a:xfrm>
+      </p:grpSpPr>
+      <p:sp>
+        <p:nvSpPr>
+          <p:cNvPr id="2" name="Slide Image Placeholder 1"/>
+          <p:cNvSpPr>
+            <a:spLocks noGrp="1" noRot="1" noChangeAspect="1"/>
+          </p:cNvSpPr>
+          <p:nvPr>
+            <p:ph type="sldImg"/>
+          </p:nvPr>
+        </p:nvSpPr>
+        <p:spPr/>
+      </p:sp>
+      <p:sp>
+        <p:nvSpPr>
+          <p:cNvPr id="3" name="Notes Placeholder 2"/>
+          <p:cNvSpPr>
+            <a:spLocks noGrp="1"/>
+          </p:cNvSpPr>
+          <p:nvPr>
+            <p:ph type="body" idx="1"/>
+          </p:nvPr>
+        </p:nvSpPr>
+        <p:spPr/>
+        <p:txBody>
+          <a:bodyPr/>
+          <a:lstStyle/>
+          <a:p>
+            <a:r>
+              <a:rPr lang="en-US" b="1" dirty="0"/>
+              <a:t>Notes to presenter: </a:t>
+            </a:r>
+          </a:p>
+          <a:p>
+            <a:r>
+              <a:rPr lang="en-US" b="0" i="1" dirty="0">
+                <a:latin typeface="Segoe UI" panose="020B0502040204020203" pitchFamily="34" charset="0"/>
+                <a:cs typeface="Segoe UI" panose="020B0502040204020203" pitchFamily="34" charset="0"/>
+              </a:rPr>
+              <a:t>Description of what you learned in your own words on one side.</a:t>
+            </a:r>
+          </a:p>
+          <a:p>
+            <a:pPr marL="171450" indent="-171450">
+              <a:buFont typeface="Arial" panose="020B0604020202020204" pitchFamily="34" charset="0"/>
+              <a:buChar char="•"/>
+            </a:pPr>
+            <a:r>
+              <a:rPr lang="en-US" b="0" i="1" dirty="0">
+                <a:latin typeface="Segoe UI" panose="020B0502040204020203" pitchFamily="34" charset="0"/>
+                <a:cs typeface="Segoe UI" panose="020B0502040204020203" pitchFamily="34" charset="0"/>
+              </a:rPr>
+              <a:t>Include information about the topic </a:t>
+            </a:r>
+          </a:p>
+          <a:p>
+            <a:pPr marL="171450" indent="-171450">
+              <a:buFont typeface="Arial" panose="020B0604020202020204" pitchFamily="34" charset="0"/>
+              <a:buChar char="•"/>
+            </a:pPr>
+            <a:r>
+              <a:rPr lang="en-US" b="0" i="1" dirty="0">
+                <a:latin typeface="Segoe UI" panose="020B0502040204020203" pitchFamily="34" charset="0"/>
+                <a:cs typeface="Segoe UI" panose="020B0502040204020203" pitchFamily="34" charset="0"/>
+              </a:rPr>
+              <a:t>Details about the topic will also be helpful here.  </a:t>
+            </a:r>
+          </a:p>
+          <a:p>
+            <a:pPr marL="171450" indent="-171450">
+              <a:buFont typeface="Arial" panose="020B0604020202020204" pitchFamily="34" charset="0"/>
+              <a:buChar char="•"/>
+            </a:pPr>
+            <a:r>
+              <a:rPr lang="en-US" b="0" i="1" dirty="0">
+                <a:latin typeface="Segoe UI" panose="020B0502040204020203" pitchFamily="34" charset="0"/>
+                <a:cs typeface="Segoe UI" panose="020B0502040204020203" pitchFamily="34" charset="0"/>
+              </a:rPr>
+              <a:t>Tell the story of your learning experience.  Just like a story there should always be a beginning, middle and an end.</a:t>
+            </a:r>
+          </a:p>
+          <a:p>
+            <a:r>
+              <a:rPr lang="en-US" b="0" i="1" dirty="0">
+                <a:latin typeface="Segoe UI" panose="020B0502040204020203" pitchFamily="34" charset="0"/>
+                <a:cs typeface="Segoe UI" panose="020B0502040204020203" pitchFamily="34" charset="0"/>
+              </a:rPr>
+              <a:t>On the other side, you can add a graphic that provides evidence of what you learned.</a:t>
+            </a:r>
+          </a:p>
+          <a:p>
+            <a:endParaRPr lang="en-US" dirty="0"/>
+          </a:p>
+          <a:p>
+            <a:r>
+              <a:rPr lang="en-US" dirty="0"/>
+              <a:t>Feel free to use more than one slide to reflect upon your process.  It also helps to add some video of your process.</a:t>
+            </a:r>
+          </a:p>
+          <a:p>
+            <a:endParaRPr lang="en-US" dirty="0"/>
+          </a:p>
+        </p:txBody>
+      </p:sp>
+      <p:sp>
+        <p:nvSpPr>
+          <p:cNvPr id="4" name="Slide Number Placeholder 3"/>
+          <p:cNvSpPr>
+            <a:spLocks noGrp="1"/>
+          </p:cNvSpPr>
+          <p:nvPr>
+            <p:ph type="sldNum" sz="quarter" idx="10"/>
+          </p:nvPr>
+        </p:nvSpPr>
+        <p:spPr/>
+        <p:txBody>
+          <a:bodyPr/>
+          <a:lstStyle/>
+          <a:p>
+            <a:fld id="{D5D79418-37EB-4378-AD22-89DBB000B0DA}" type="slidenum">
+              <a:rPr lang="en-US" smtClean="0"/>
+              <a:t>10</a:t>
+            </a:fld>
+            <a:endParaRPr lang="en-US" dirty="0"/>
+          </a:p>
+        </p:txBody>
+      </p:sp>
+    </p:spTree>
+    <p:extLst>
+      <p:ext uri="{BB962C8B-B14F-4D97-AF65-F5344CB8AC3E}">
+        <p14:creationId xmlns:p14="http://schemas.microsoft.com/office/powerpoint/2010/main" val="2451349339"/>
       </p:ext>
     </p:extLst>
   </p:cSld>
@@ -2006,7 +2477,7 @@
                   <a14:useLocalDpi xmlns:a14="http://schemas.microsoft.com/office/drawing/2010/main" val="0"/>
                 </a:ext>
                 <a:ext uri="{96DAC541-7B7A-43D3-8B79-37D633B846F1}">
-                  <asvg:svgBlip xmlns="" xmlns:asvg="http://schemas.microsoft.com/office/drawing/2016/SVG/main" r:embed="rId3"/>
+                  <asvg:svgBlip xmlns:asvg="http://schemas.microsoft.com/office/drawing/2016/SVG/main" xmlns="" r:embed="rId3"/>
                 </a:ext>
               </a:extLst>
             </a:blip>
@@ -2044,7 +2515,7 @@
                   <a14:useLocalDpi xmlns:a14="http://schemas.microsoft.com/office/drawing/2010/main" val="0"/>
                 </a:ext>
                 <a:ext uri="{96DAC541-7B7A-43D3-8B79-37D633B846F1}">
-                  <asvg:svgBlip xmlns="" xmlns:asvg="http://schemas.microsoft.com/office/drawing/2016/SVG/main" r:embed="rId3"/>
+                  <asvg:svgBlip xmlns:asvg="http://schemas.microsoft.com/office/drawing/2016/SVG/main" xmlns="" r:embed="rId3"/>
                 </a:ext>
               </a:extLst>
             </a:blip>
@@ -2083,7 +2554,7 @@
                   <a14:useLocalDpi xmlns:a14="http://schemas.microsoft.com/office/drawing/2010/main" val="0"/>
                 </a:ext>
                 <a:ext uri="{96DAC541-7B7A-43D3-8B79-37D633B846F1}">
-                  <asvg:svgBlip xmlns="" xmlns:asvg="http://schemas.microsoft.com/office/drawing/2016/SVG/main" r:embed="rId3"/>
+                  <asvg:svgBlip xmlns:asvg="http://schemas.microsoft.com/office/drawing/2016/SVG/main" xmlns="" r:embed="rId3"/>
                 </a:ext>
               </a:extLst>
             </a:blip>
@@ -2122,7 +2593,7 @@
                   <a14:useLocalDpi xmlns:a14="http://schemas.microsoft.com/office/drawing/2010/main" val="0"/>
                 </a:ext>
                 <a:ext uri="{96DAC541-7B7A-43D3-8B79-37D633B846F1}">
-                  <asvg:svgBlip xmlns="" xmlns:asvg="http://schemas.microsoft.com/office/drawing/2016/SVG/main" r:embed="rId3"/>
+                  <asvg:svgBlip xmlns:asvg="http://schemas.microsoft.com/office/drawing/2016/SVG/main" xmlns="" r:embed="rId3"/>
                 </a:ext>
               </a:extLst>
             </a:blip>
@@ -2312,7 +2783,7 @@
           <a:p>
             <a:fld id="{616D6166-2B42-4F11-BAA6-8ABAE1BE810C}" type="datetimeFigureOut">
               <a:rPr lang="en-US" noProof="0" smtClean="0"/>
-              <a:t>4/29/2025</a:t>
+              <a:t>5/12/2025</a:t>
             </a:fld>
             <a:endParaRPr lang="en-US" noProof="0" dirty="0"/>
           </a:p>
@@ -2551,7 +3022,7 @@
                   <a14:useLocalDpi xmlns:a14="http://schemas.microsoft.com/office/drawing/2010/main" val="0"/>
                 </a:ext>
                 <a:ext uri="{96DAC541-7B7A-43D3-8B79-37D633B846F1}">
-                  <asvg:svgBlip xmlns="" xmlns:asvg="http://schemas.microsoft.com/office/drawing/2016/SVG/main" r:embed="rId3"/>
+                  <asvg:svgBlip xmlns:asvg="http://schemas.microsoft.com/office/drawing/2016/SVG/main" xmlns="" r:embed="rId3"/>
                 </a:ext>
               </a:extLst>
             </a:blip>
@@ -2589,7 +3060,7 @@
                   <a14:useLocalDpi xmlns:a14="http://schemas.microsoft.com/office/drawing/2010/main" val="0"/>
                 </a:ext>
                 <a:ext uri="{96DAC541-7B7A-43D3-8B79-37D633B846F1}">
-                  <asvg:svgBlip xmlns="" xmlns:asvg="http://schemas.microsoft.com/office/drawing/2016/SVG/main" r:embed="rId3"/>
+                  <asvg:svgBlip xmlns:asvg="http://schemas.microsoft.com/office/drawing/2016/SVG/main" xmlns="" r:embed="rId3"/>
                 </a:ext>
               </a:extLst>
             </a:blip>
@@ -2628,7 +3099,7 @@
                   <a14:useLocalDpi xmlns:a14="http://schemas.microsoft.com/office/drawing/2010/main" val="0"/>
                 </a:ext>
                 <a:ext uri="{96DAC541-7B7A-43D3-8B79-37D633B846F1}">
-                  <asvg:svgBlip xmlns="" xmlns:asvg="http://schemas.microsoft.com/office/drawing/2016/SVG/main" r:embed="rId3"/>
+                  <asvg:svgBlip xmlns:asvg="http://schemas.microsoft.com/office/drawing/2016/SVG/main" xmlns="" r:embed="rId3"/>
                 </a:ext>
               </a:extLst>
             </a:blip>
@@ -2667,7 +3138,7 @@
                   <a14:useLocalDpi xmlns:a14="http://schemas.microsoft.com/office/drawing/2010/main" val="0"/>
                 </a:ext>
                 <a:ext uri="{96DAC541-7B7A-43D3-8B79-37D633B846F1}">
-                  <asvg:svgBlip xmlns="" xmlns:asvg="http://schemas.microsoft.com/office/drawing/2016/SVG/main" r:embed="rId3"/>
+                  <asvg:svgBlip xmlns:asvg="http://schemas.microsoft.com/office/drawing/2016/SVG/main" xmlns="" r:embed="rId3"/>
                 </a:ext>
               </a:extLst>
             </a:blip>
@@ -2771,7 +3242,7 @@
           <a:p>
             <a:fld id="{616D6166-2B42-4F11-BAA6-8ABAE1BE810C}" type="datetimeFigureOut">
               <a:rPr lang="en-US" noProof="0" smtClean="0"/>
-              <a:t>4/29/2025</a:t>
+              <a:t>5/12/2025</a:t>
             </a:fld>
             <a:endParaRPr lang="en-US" noProof="0" dirty="0"/>
           </a:p>
@@ -2898,7 +3369,7 @@
                   <a14:useLocalDpi xmlns:a14="http://schemas.microsoft.com/office/drawing/2010/main" val="0"/>
                 </a:ext>
                 <a:ext uri="{96DAC541-7B7A-43D3-8B79-37D633B846F1}">
-                  <asvg:svgBlip xmlns="" xmlns:asvg="http://schemas.microsoft.com/office/drawing/2016/SVG/main" r:embed="rId3"/>
+                  <asvg:svgBlip xmlns:asvg="http://schemas.microsoft.com/office/drawing/2016/SVG/main" xmlns="" r:embed="rId3"/>
                 </a:ext>
               </a:extLst>
             </a:blip>
@@ -2936,7 +3407,7 @@
                   <a14:useLocalDpi xmlns:a14="http://schemas.microsoft.com/office/drawing/2010/main" val="0"/>
                 </a:ext>
                 <a:ext uri="{96DAC541-7B7A-43D3-8B79-37D633B846F1}">
-                  <asvg:svgBlip xmlns="" xmlns:asvg="http://schemas.microsoft.com/office/drawing/2016/SVG/main" r:embed="rId3"/>
+                  <asvg:svgBlip xmlns:asvg="http://schemas.microsoft.com/office/drawing/2016/SVG/main" xmlns="" r:embed="rId3"/>
                 </a:ext>
               </a:extLst>
             </a:blip>
@@ -2975,7 +3446,7 @@
                   <a14:useLocalDpi xmlns:a14="http://schemas.microsoft.com/office/drawing/2010/main" val="0"/>
                 </a:ext>
                 <a:ext uri="{96DAC541-7B7A-43D3-8B79-37D633B846F1}">
-                  <asvg:svgBlip xmlns="" xmlns:asvg="http://schemas.microsoft.com/office/drawing/2016/SVG/main" r:embed="rId3"/>
+                  <asvg:svgBlip xmlns:asvg="http://schemas.microsoft.com/office/drawing/2016/SVG/main" xmlns="" r:embed="rId3"/>
                 </a:ext>
               </a:extLst>
             </a:blip>
@@ -3014,7 +3485,7 @@
                   <a14:useLocalDpi xmlns:a14="http://schemas.microsoft.com/office/drawing/2010/main" val="0"/>
                 </a:ext>
                 <a:ext uri="{96DAC541-7B7A-43D3-8B79-37D633B846F1}">
-                  <asvg:svgBlip xmlns="" xmlns:asvg="http://schemas.microsoft.com/office/drawing/2016/SVG/main" r:embed="rId3"/>
+                  <asvg:svgBlip xmlns:asvg="http://schemas.microsoft.com/office/drawing/2016/SVG/main" xmlns="" r:embed="rId3"/>
                 </a:ext>
               </a:extLst>
             </a:blip>
@@ -3327,7 +3798,7 @@
           <a:p>
             <a:fld id="{616D6166-2B42-4F11-BAA6-8ABAE1BE810C}" type="datetimeFigureOut">
               <a:rPr lang="en-US" noProof="0" smtClean="0"/>
-              <a:t>4/29/2025</a:t>
+              <a:t>5/12/2025</a:t>
             </a:fld>
             <a:endParaRPr lang="en-US" noProof="0" dirty="0"/>
           </a:p>
@@ -3464,7 +3935,7 @@
                   <a14:useLocalDpi xmlns:a14="http://schemas.microsoft.com/office/drawing/2010/main" val="0"/>
                 </a:ext>
                 <a:ext uri="{96DAC541-7B7A-43D3-8B79-37D633B846F1}">
-                  <asvg:svgBlip xmlns="" xmlns:asvg="http://schemas.microsoft.com/office/drawing/2016/SVG/main" r:embed="rId3"/>
+                  <asvg:svgBlip xmlns:asvg="http://schemas.microsoft.com/office/drawing/2016/SVG/main" xmlns="" r:embed="rId3"/>
                 </a:ext>
               </a:extLst>
             </a:blip>
@@ -3502,7 +3973,7 @@
                   <a14:useLocalDpi xmlns:a14="http://schemas.microsoft.com/office/drawing/2010/main" val="0"/>
                 </a:ext>
                 <a:ext uri="{96DAC541-7B7A-43D3-8B79-37D633B846F1}">
-                  <asvg:svgBlip xmlns="" xmlns:asvg="http://schemas.microsoft.com/office/drawing/2016/SVG/main" r:embed="rId3"/>
+                  <asvg:svgBlip xmlns:asvg="http://schemas.microsoft.com/office/drawing/2016/SVG/main" xmlns="" r:embed="rId3"/>
                 </a:ext>
               </a:extLst>
             </a:blip>
@@ -3541,7 +4012,7 @@
                   <a14:useLocalDpi xmlns:a14="http://schemas.microsoft.com/office/drawing/2010/main" val="0"/>
                 </a:ext>
                 <a:ext uri="{96DAC541-7B7A-43D3-8B79-37D633B846F1}">
-                  <asvg:svgBlip xmlns="" xmlns:asvg="http://schemas.microsoft.com/office/drawing/2016/SVG/main" r:embed="rId3"/>
+                  <asvg:svgBlip xmlns:asvg="http://schemas.microsoft.com/office/drawing/2016/SVG/main" xmlns="" r:embed="rId3"/>
                 </a:ext>
               </a:extLst>
             </a:blip>
@@ -3580,7 +4051,7 @@
                   <a14:useLocalDpi xmlns:a14="http://schemas.microsoft.com/office/drawing/2010/main" val="0"/>
                 </a:ext>
                 <a:ext uri="{96DAC541-7B7A-43D3-8B79-37D633B846F1}">
-                  <asvg:svgBlip xmlns="" xmlns:asvg="http://schemas.microsoft.com/office/drawing/2016/SVG/main" r:embed="rId3"/>
+                  <asvg:svgBlip xmlns:asvg="http://schemas.microsoft.com/office/drawing/2016/SVG/main" xmlns="" r:embed="rId3"/>
                 </a:ext>
               </a:extLst>
             </a:blip>
@@ -3836,7 +4307,7 @@
           <a:p>
             <a:fld id="{616D6166-2B42-4F11-BAA6-8ABAE1BE810C}" type="datetimeFigureOut">
               <a:rPr lang="en-US" noProof="0" smtClean="0"/>
-              <a:t>4/29/2025</a:t>
+              <a:t>5/12/2025</a:t>
             </a:fld>
             <a:endParaRPr lang="en-US" noProof="0" dirty="0"/>
           </a:p>
@@ -4188,7 +4659,7 @@
           <a:p>
             <a:fld id="{616D6166-2B42-4F11-BAA6-8ABAE1BE810C}" type="datetimeFigureOut">
               <a:rPr lang="en-US" noProof="0" smtClean="0"/>
-              <a:t>4/29/2025</a:t>
+              <a:t>5/12/2025</a:t>
             </a:fld>
             <a:endParaRPr lang="en-US" noProof="0" dirty="0"/>
           </a:p>
@@ -4354,7 +4825,7 @@
                   <a14:useLocalDpi xmlns:a14="http://schemas.microsoft.com/office/drawing/2010/main" val="0"/>
                 </a:ext>
                 <a:ext uri="{96DAC541-7B7A-43D3-8B79-37D633B846F1}">
-                  <asvg:svgBlip xmlns="" xmlns:asvg="http://schemas.microsoft.com/office/drawing/2016/SVG/main" r:embed="rId3"/>
+                  <asvg:svgBlip xmlns:asvg="http://schemas.microsoft.com/office/drawing/2016/SVG/main" xmlns="" r:embed="rId3"/>
                 </a:ext>
               </a:extLst>
             </a:blip>
@@ -4392,7 +4863,7 @@
                   <a14:useLocalDpi xmlns:a14="http://schemas.microsoft.com/office/drawing/2010/main" val="0"/>
                 </a:ext>
                 <a:ext uri="{96DAC541-7B7A-43D3-8B79-37D633B846F1}">
-                  <asvg:svgBlip xmlns="" xmlns:asvg="http://schemas.microsoft.com/office/drawing/2016/SVG/main" r:embed="rId3"/>
+                  <asvg:svgBlip xmlns:asvg="http://schemas.microsoft.com/office/drawing/2016/SVG/main" xmlns="" r:embed="rId3"/>
                 </a:ext>
               </a:extLst>
             </a:blip>
@@ -4431,7 +4902,7 @@
                   <a14:useLocalDpi xmlns:a14="http://schemas.microsoft.com/office/drawing/2010/main" val="0"/>
                 </a:ext>
                 <a:ext uri="{96DAC541-7B7A-43D3-8B79-37D633B846F1}">
-                  <asvg:svgBlip xmlns="" xmlns:asvg="http://schemas.microsoft.com/office/drawing/2016/SVG/main" r:embed="rId3"/>
+                  <asvg:svgBlip xmlns:asvg="http://schemas.microsoft.com/office/drawing/2016/SVG/main" xmlns="" r:embed="rId3"/>
                 </a:ext>
               </a:extLst>
             </a:blip>
@@ -4470,7 +4941,7 @@
                   <a14:useLocalDpi xmlns:a14="http://schemas.microsoft.com/office/drawing/2010/main" val="0"/>
                 </a:ext>
                 <a:ext uri="{96DAC541-7B7A-43D3-8B79-37D633B846F1}">
-                  <asvg:svgBlip xmlns="" xmlns:asvg="http://schemas.microsoft.com/office/drawing/2016/SVG/main" r:embed="rId3"/>
+                  <asvg:svgBlip xmlns:asvg="http://schemas.microsoft.com/office/drawing/2016/SVG/main" xmlns="" r:embed="rId3"/>
                 </a:ext>
               </a:extLst>
             </a:blip>
@@ -4509,7 +4980,7 @@
                   <a14:useLocalDpi xmlns:a14="http://schemas.microsoft.com/office/drawing/2010/main" val="0"/>
                 </a:ext>
                 <a:ext uri="{96DAC541-7B7A-43D3-8B79-37D633B846F1}">
-                  <asvg:svgBlip xmlns="" xmlns:asvg="http://schemas.microsoft.com/office/drawing/2016/SVG/main" r:embed="rId3"/>
+                  <asvg:svgBlip xmlns:asvg="http://schemas.microsoft.com/office/drawing/2016/SVG/main" xmlns="" r:embed="rId3"/>
                 </a:ext>
               </a:extLst>
             </a:blip>
@@ -4781,7 +5252,7 @@
           <a:p>
             <a:fld id="{616D6166-2B42-4F11-BAA6-8ABAE1BE810C}" type="datetimeFigureOut">
               <a:rPr lang="en-US" noProof="0" smtClean="0"/>
-              <a:t>4/29/2025</a:t>
+              <a:t>5/12/2025</a:t>
             </a:fld>
             <a:endParaRPr lang="en-US" noProof="0" dirty="0"/>
           </a:p>
@@ -4913,7 +5384,7 @@
                   <a14:useLocalDpi xmlns:a14="http://schemas.microsoft.com/office/drawing/2010/main" val="0"/>
                 </a:ext>
                 <a:ext uri="{96DAC541-7B7A-43D3-8B79-37D633B846F1}">
-                  <asvg:svgBlip xmlns="" xmlns:asvg="http://schemas.microsoft.com/office/drawing/2016/SVG/main" r:embed="rId3"/>
+                  <asvg:svgBlip xmlns:asvg="http://schemas.microsoft.com/office/drawing/2016/SVG/main" xmlns="" r:embed="rId3"/>
                 </a:ext>
               </a:extLst>
             </a:blip>
@@ -4951,7 +5422,7 @@
                   <a14:useLocalDpi xmlns:a14="http://schemas.microsoft.com/office/drawing/2010/main" val="0"/>
                 </a:ext>
                 <a:ext uri="{96DAC541-7B7A-43D3-8B79-37D633B846F1}">
-                  <asvg:svgBlip xmlns="" xmlns:asvg="http://schemas.microsoft.com/office/drawing/2016/SVG/main" r:embed="rId3"/>
+                  <asvg:svgBlip xmlns:asvg="http://schemas.microsoft.com/office/drawing/2016/SVG/main" xmlns="" r:embed="rId3"/>
                 </a:ext>
               </a:extLst>
             </a:blip>
@@ -4990,7 +5461,7 @@
                   <a14:useLocalDpi xmlns:a14="http://schemas.microsoft.com/office/drawing/2010/main" val="0"/>
                 </a:ext>
                 <a:ext uri="{96DAC541-7B7A-43D3-8B79-37D633B846F1}">
-                  <asvg:svgBlip xmlns="" xmlns:asvg="http://schemas.microsoft.com/office/drawing/2016/SVG/main" r:embed="rId3"/>
+                  <asvg:svgBlip xmlns:asvg="http://schemas.microsoft.com/office/drawing/2016/SVG/main" xmlns="" r:embed="rId3"/>
                 </a:ext>
               </a:extLst>
             </a:blip>
@@ -5029,7 +5500,7 @@
                   <a14:useLocalDpi xmlns:a14="http://schemas.microsoft.com/office/drawing/2010/main" val="0"/>
                 </a:ext>
                 <a:ext uri="{96DAC541-7B7A-43D3-8B79-37D633B846F1}">
-                  <asvg:svgBlip xmlns="" xmlns:asvg="http://schemas.microsoft.com/office/drawing/2016/SVG/main" r:embed="rId3"/>
+                  <asvg:svgBlip xmlns:asvg="http://schemas.microsoft.com/office/drawing/2016/SVG/main" xmlns="" r:embed="rId3"/>
                 </a:ext>
               </a:extLst>
             </a:blip>
@@ -5370,7 +5841,7 @@
           <a:p>
             <a:fld id="{616D6166-2B42-4F11-BAA6-8ABAE1BE810C}" type="datetimeFigureOut">
               <a:rPr lang="en-US" noProof="0" smtClean="0"/>
-              <a:t>4/29/2025</a:t>
+              <a:t>5/12/2025</a:t>
             </a:fld>
             <a:endParaRPr lang="en-US" noProof="0" dirty="0"/>
           </a:p>
@@ -5734,7 +6205,7 @@
                   <a14:useLocalDpi xmlns:a14="http://schemas.microsoft.com/office/drawing/2010/main" val="0"/>
                 </a:ext>
                 <a:ext uri="{96DAC541-7B7A-43D3-8B79-37D633B846F1}">
-                  <asvg:svgBlip xmlns="" xmlns:asvg="http://schemas.microsoft.com/office/drawing/2016/SVG/main" r:embed="rId3"/>
+                  <asvg:svgBlip xmlns:asvg="http://schemas.microsoft.com/office/drawing/2016/SVG/main" xmlns="" r:embed="rId3"/>
                 </a:ext>
               </a:extLst>
             </a:blip>
@@ -5772,7 +6243,7 @@
                   <a14:useLocalDpi xmlns:a14="http://schemas.microsoft.com/office/drawing/2010/main" val="0"/>
                 </a:ext>
                 <a:ext uri="{96DAC541-7B7A-43D3-8B79-37D633B846F1}">
-                  <asvg:svgBlip xmlns="" xmlns:asvg="http://schemas.microsoft.com/office/drawing/2016/SVG/main" r:embed="rId3"/>
+                  <asvg:svgBlip xmlns:asvg="http://schemas.microsoft.com/office/drawing/2016/SVG/main" xmlns="" r:embed="rId3"/>
                 </a:ext>
               </a:extLst>
             </a:blip>
@@ -5811,7 +6282,7 @@
                   <a14:useLocalDpi xmlns:a14="http://schemas.microsoft.com/office/drawing/2010/main" val="0"/>
                 </a:ext>
                 <a:ext uri="{96DAC541-7B7A-43D3-8B79-37D633B846F1}">
-                  <asvg:svgBlip xmlns="" xmlns:asvg="http://schemas.microsoft.com/office/drawing/2016/SVG/main" r:embed="rId3"/>
+                  <asvg:svgBlip xmlns:asvg="http://schemas.microsoft.com/office/drawing/2016/SVG/main" xmlns="" r:embed="rId3"/>
                 </a:ext>
               </a:extLst>
             </a:blip>
@@ -5850,7 +6321,7 @@
                   <a14:useLocalDpi xmlns:a14="http://schemas.microsoft.com/office/drawing/2010/main" val="0"/>
                 </a:ext>
                 <a:ext uri="{96DAC541-7B7A-43D3-8B79-37D633B846F1}">
-                  <asvg:svgBlip xmlns="" xmlns:asvg="http://schemas.microsoft.com/office/drawing/2016/SVG/main" r:embed="rId3"/>
+                  <asvg:svgBlip xmlns:asvg="http://schemas.microsoft.com/office/drawing/2016/SVG/main" xmlns="" r:embed="rId3"/>
                 </a:ext>
               </a:extLst>
             </a:blip>
@@ -5889,7 +6360,7 @@
                   <a14:useLocalDpi xmlns:a14="http://schemas.microsoft.com/office/drawing/2010/main" val="0"/>
                 </a:ext>
                 <a:ext uri="{96DAC541-7B7A-43D3-8B79-37D633B846F1}">
-                  <asvg:svgBlip xmlns="" xmlns:asvg="http://schemas.microsoft.com/office/drawing/2016/SVG/main" r:embed="rId3"/>
+                  <asvg:svgBlip xmlns:asvg="http://schemas.microsoft.com/office/drawing/2016/SVG/main" xmlns="" r:embed="rId3"/>
                 </a:ext>
               </a:extLst>
             </a:blip>
@@ -6143,7 +6614,7 @@
           <a:p>
             <a:fld id="{616D6166-2B42-4F11-BAA6-8ABAE1BE810C}" type="datetimeFigureOut">
               <a:rPr lang="en-US" noProof="0" smtClean="0"/>
-              <a:t>4/29/2025</a:t>
+              <a:t>5/12/2025</a:t>
             </a:fld>
             <a:endParaRPr lang="en-US" noProof="0" dirty="0"/>
           </a:p>
@@ -6280,7 +6751,7 @@
                   <a14:useLocalDpi xmlns:a14="http://schemas.microsoft.com/office/drawing/2010/main" val="0"/>
                 </a:ext>
                 <a:ext uri="{96DAC541-7B7A-43D3-8B79-37D633B846F1}">
-                  <asvg:svgBlip xmlns="" xmlns:asvg="http://schemas.microsoft.com/office/drawing/2016/SVG/main" r:embed="rId3"/>
+                  <asvg:svgBlip xmlns:asvg="http://schemas.microsoft.com/office/drawing/2016/SVG/main" xmlns="" r:embed="rId3"/>
                 </a:ext>
               </a:extLst>
             </a:blip>
@@ -6318,7 +6789,7 @@
                   <a14:useLocalDpi xmlns:a14="http://schemas.microsoft.com/office/drawing/2010/main" val="0"/>
                 </a:ext>
                 <a:ext uri="{96DAC541-7B7A-43D3-8B79-37D633B846F1}">
-                  <asvg:svgBlip xmlns="" xmlns:asvg="http://schemas.microsoft.com/office/drawing/2016/SVG/main" r:embed="rId3"/>
+                  <asvg:svgBlip xmlns:asvg="http://schemas.microsoft.com/office/drawing/2016/SVG/main" xmlns="" r:embed="rId3"/>
                 </a:ext>
               </a:extLst>
             </a:blip>
@@ -6357,7 +6828,7 @@
                   <a14:useLocalDpi xmlns:a14="http://schemas.microsoft.com/office/drawing/2010/main" val="0"/>
                 </a:ext>
                 <a:ext uri="{96DAC541-7B7A-43D3-8B79-37D633B846F1}">
-                  <asvg:svgBlip xmlns="" xmlns:asvg="http://schemas.microsoft.com/office/drawing/2016/SVG/main" r:embed="rId3"/>
+                  <asvg:svgBlip xmlns:asvg="http://schemas.microsoft.com/office/drawing/2016/SVG/main" xmlns="" r:embed="rId3"/>
                 </a:ext>
               </a:extLst>
             </a:blip>
@@ -6396,7 +6867,7 @@
                   <a14:useLocalDpi xmlns:a14="http://schemas.microsoft.com/office/drawing/2010/main" val="0"/>
                 </a:ext>
                 <a:ext uri="{96DAC541-7B7A-43D3-8B79-37D633B846F1}">
-                  <asvg:svgBlip xmlns="" xmlns:asvg="http://schemas.microsoft.com/office/drawing/2016/SVG/main" r:embed="rId3"/>
+                  <asvg:svgBlip xmlns:asvg="http://schemas.microsoft.com/office/drawing/2016/SVG/main" xmlns="" r:embed="rId3"/>
                 </a:ext>
               </a:extLst>
             </a:blip>
@@ -7013,7 +7484,7 @@
           <a:p>
             <a:fld id="{616D6166-2B42-4F11-BAA6-8ABAE1BE810C}" type="datetimeFigureOut">
               <a:rPr lang="en-US" noProof="0" smtClean="0"/>
-              <a:t>4/29/2025</a:t>
+              <a:t>5/12/2025</a:t>
             </a:fld>
             <a:endParaRPr lang="en-US" noProof="0" dirty="0"/>
           </a:p>
@@ -7140,7 +7611,7 @@
                   <a14:useLocalDpi xmlns:a14="http://schemas.microsoft.com/office/drawing/2010/main" val="0"/>
                 </a:ext>
                 <a:ext uri="{96DAC541-7B7A-43D3-8B79-37D633B846F1}">
-                  <asvg:svgBlip xmlns="" xmlns:asvg="http://schemas.microsoft.com/office/drawing/2016/SVG/main" r:embed="rId3"/>
+                  <asvg:svgBlip xmlns:asvg="http://schemas.microsoft.com/office/drawing/2016/SVG/main" xmlns="" r:embed="rId3"/>
                 </a:ext>
               </a:extLst>
             </a:blip>
@@ -7178,7 +7649,7 @@
                   <a14:useLocalDpi xmlns:a14="http://schemas.microsoft.com/office/drawing/2010/main" val="0"/>
                 </a:ext>
                 <a:ext uri="{96DAC541-7B7A-43D3-8B79-37D633B846F1}">
-                  <asvg:svgBlip xmlns="" xmlns:asvg="http://schemas.microsoft.com/office/drawing/2016/SVG/main" r:embed="rId3"/>
+                  <asvg:svgBlip xmlns:asvg="http://schemas.microsoft.com/office/drawing/2016/SVG/main" xmlns="" r:embed="rId3"/>
                 </a:ext>
               </a:extLst>
             </a:blip>
@@ -7217,7 +7688,7 @@
                   <a14:useLocalDpi xmlns:a14="http://schemas.microsoft.com/office/drawing/2010/main" val="0"/>
                 </a:ext>
                 <a:ext uri="{96DAC541-7B7A-43D3-8B79-37D633B846F1}">
-                  <asvg:svgBlip xmlns="" xmlns:asvg="http://schemas.microsoft.com/office/drawing/2016/SVG/main" r:embed="rId3"/>
+                  <asvg:svgBlip xmlns:asvg="http://schemas.microsoft.com/office/drawing/2016/SVG/main" xmlns="" r:embed="rId3"/>
                 </a:ext>
               </a:extLst>
             </a:blip>
@@ -7256,7 +7727,7 @@
                   <a14:useLocalDpi xmlns:a14="http://schemas.microsoft.com/office/drawing/2010/main" val="0"/>
                 </a:ext>
                 <a:ext uri="{96DAC541-7B7A-43D3-8B79-37D633B846F1}">
-                  <asvg:svgBlip xmlns="" xmlns:asvg="http://schemas.microsoft.com/office/drawing/2016/SVG/main" r:embed="rId3"/>
+                  <asvg:svgBlip xmlns:asvg="http://schemas.microsoft.com/office/drawing/2016/SVG/main" xmlns="" r:embed="rId3"/>
                 </a:ext>
               </a:extLst>
             </a:blip>
@@ -7295,7 +7766,7 @@
                   <a14:useLocalDpi xmlns:a14="http://schemas.microsoft.com/office/drawing/2010/main" val="0"/>
                 </a:ext>
                 <a:ext uri="{96DAC541-7B7A-43D3-8B79-37D633B846F1}">
-                  <asvg:svgBlip xmlns="" xmlns:asvg="http://schemas.microsoft.com/office/drawing/2016/SVG/main" r:embed="rId3"/>
+                  <asvg:svgBlip xmlns:asvg="http://schemas.microsoft.com/office/drawing/2016/SVG/main" xmlns="" r:embed="rId3"/>
                 </a:ext>
               </a:extLst>
             </a:blip>
@@ -7482,7 +7953,7 @@
           <a:p>
             <a:fld id="{616D6166-2B42-4F11-BAA6-8ABAE1BE810C}" type="datetimeFigureOut">
               <a:rPr lang="en-US" noProof="0" smtClean="0"/>
-              <a:t>4/29/2025</a:t>
+              <a:t>5/12/2025</a:t>
             </a:fld>
             <a:endParaRPr lang="en-US" noProof="0" dirty="0"/>
           </a:p>
@@ -8103,7 +8574,7 @@
                   <a14:useLocalDpi xmlns:a14="http://schemas.microsoft.com/office/drawing/2010/main" val="0"/>
                 </a:ext>
                 <a:ext uri="{96DAC541-7B7A-43D3-8B79-37D633B846F1}">
-                  <asvg:svgBlip xmlns="" xmlns:asvg="http://schemas.microsoft.com/office/drawing/2016/SVG/main" r:embed="rId3"/>
+                  <asvg:svgBlip xmlns:asvg="http://schemas.microsoft.com/office/drawing/2016/SVG/main" xmlns="" r:embed="rId3"/>
                 </a:ext>
               </a:extLst>
             </a:blip>
@@ -8141,7 +8612,7 @@
                   <a14:useLocalDpi xmlns:a14="http://schemas.microsoft.com/office/drawing/2010/main" val="0"/>
                 </a:ext>
                 <a:ext uri="{96DAC541-7B7A-43D3-8B79-37D633B846F1}">
-                  <asvg:svgBlip xmlns="" xmlns:asvg="http://schemas.microsoft.com/office/drawing/2016/SVG/main" r:embed="rId3"/>
+                  <asvg:svgBlip xmlns:asvg="http://schemas.microsoft.com/office/drawing/2016/SVG/main" xmlns="" r:embed="rId3"/>
                 </a:ext>
               </a:extLst>
             </a:blip>
@@ -8180,7 +8651,7 @@
                   <a14:useLocalDpi xmlns:a14="http://schemas.microsoft.com/office/drawing/2010/main" val="0"/>
                 </a:ext>
                 <a:ext uri="{96DAC541-7B7A-43D3-8B79-37D633B846F1}">
-                  <asvg:svgBlip xmlns="" xmlns:asvg="http://schemas.microsoft.com/office/drawing/2016/SVG/main" r:embed="rId3"/>
+                  <asvg:svgBlip xmlns:asvg="http://schemas.microsoft.com/office/drawing/2016/SVG/main" xmlns="" r:embed="rId3"/>
                 </a:ext>
               </a:extLst>
             </a:blip>
@@ -8219,7 +8690,7 @@
                   <a14:useLocalDpi xmlns:a14="http://schemas.microsoft.com/office/drawing/2010/main" val="0"/>
                 </a:ext>
                 <a:ext uri="{96DAC541-7B7A-43D3-8B79-37D633B846F1}">
-                  <asvg:svgBlip xmlns="" xmlns:asvg="http://schemas.microsoft.com/office/drawing/2016/SVG/main" r:embed="rId3"/>
+                  <asvg:svgBlip xmlns:asvg="http://schemas.microsoft.com/office/drawing/2016/SVG/main" xmlns="" r:embed="rId3"/>
                 </a:ext>
               </a:extLst>
             </a:blip>
@@ -9073,7 +9544,7 @@
           <a:p>
             <a:fld id="{616D6166-2B42-4F11-BAA6-8ABAE1BE810C}" type="datetimeFigureOut">
               <a:rPr lang="en-US" noProof="0" smtClean="0"/>
-              <a:t>4/29/2025</a:t>
+              <a:t>5/12/2025</a:t>
             </a:fld>
             <a:endParaRPr lang="en-US" noProof="0" dirty="0"/>
           </a:p>
@@ -9279,7 +9750,7 @@
                   <a14:useLocalDpi xmlns:a14="http://schemas.microsoft.com/office/drawing/2010/main" val="0"/>
                 </a:ext>
                 <a:ext uri="{96DAC541-7B7A-43D3-8B79-37D633B846F1}">
-                  <asvg:svgBlip xmlns="" xmlns:asvg="http://schemas.microsoft.com/office/drawing/2016/SVG/main" r:embed="rId3"/>
+                  <asvg:svgBlip xmlns:asvg="http://schemas.microsoft.com/office/drawing/2016/SVG/main" xmlns="" r:embed="rId3"/>
                 </a:ext>
               </a:extLst>
             </a:blip>
@@ -9317,7 +9788,7 @@
                   <a14:useLocalDpi xmlns:a14="http://schemas.microsoft.com/office/drawing/2010/main" val="0"/>
                 </a:ext>
                 <a:ext uri="{96DAC541-7B7A-43D3-8B79-37D633B846F1}">
-                  <asvg:svgBlip xmlns="" xmlns:asvg="http://schemas.microsoft.com/office/drawing/2016/SVG/main" r:embed="rId3"/>
+                  <asvg:svgBlip xmlns:asvg="http://schemas.microsoft.com/office/drawing/2016/SVG/main" xmlns="" r:embed="rId3"/>
                 </a:ext>
               </a:extLst>
             </a:blip>
@@ -9356,7 +9827,7 @@
                   <a14:useLocalDpi xmlns:a14="http://schemas.microsoft.com/office/drawing/2010/main" val="0"/>
                 </a:ext>
                 <a:ext uri="{96DAC541-7B7A-43D3-8B79-37D633B846F1}">
-                  <asvg:svgBlip xmlns="" xmlns:asvg="http://schemas.microsoft.com/office/drawing/2016/SVG/main" r:embed="rId3"/>
+                  <asvg:svgBlip xmlns:asvg="http://schemas.microsoft.com/office/drawing/2016/SVG/main" xmlns="" r:embed="rId3"/>
                 </a:ext>
               </a:extLst>
             </a:blip>
@@ -9395,7 +9866,7 @@
                   <a14:useLocalDpi xmlns:a14="http://schemas.microsoft.com/office/drawing/2010/main" val="0"/>
                 </a:ext>
                 <a:ext uri="{96DAC541-7B7A-43D3-8B79-37D633B846F1}">
-                  <asvg:svgBlip xmlns="" xmlns:asvg="http://schemas.microsoft.com/office/drawing/2016/SVG/main" r:embed="rId3"/>
+                  <asvg:svgBlip xmlns:asvg="http://schemas.microsoft.com/office/drawing/2016/SVG/main" xmlns="" r:embed="rId3"/>
                 </a:ext>
               </a:extLst>
             </a:blip>
@@ -9593,7 +10064,7 @@
           <a:p>
             <a:fld id="{616D6166-2B42-4F11-BAA6-8ABAE1BE810C}" type="datetimeFigureOut">
               <a:rPr lang="en-US" noProof="0" smtClean="0"/>
-              <a:t>4/29/2025</a:t>
+              <a:t>5/12/2025</a:t>
             </a:fld>
             <a:endParaRPr lang="en-US" noProof="0" dirty="0"/>
           </a:p>
@@ -9957,7 +10428,7 @@
                   <a14:useLocalDpi xmlns:a14="http://schemas.microsoft.com/office/drawing/2010/main" val="0"/>
                 </a:ext>
                 <a:ext uri="{96DAC541-7B7A-43D3-8B79-37D633B846F1}">
-                  <asvg:svgBlip xmlns="" xmlns:asvg="http://schemas.microsoft.com/office/drawing/2016/SVG/main" r:embed="rId3"/>
+                  <asvg:svgBlip xmlns:asvg="http://schemas.microsoft.com/office/drawing/2016/SVG/main" xmlns="" r:embed="rId3"/>
                 </a:ext>
               </a:extLst>
             </a:blip>
@@ -9995,7 +10466,7 @@
                   <a14:useLocalDpi xmlns:a14="http://schemas.microsoft.com/office/drawing/2010/main" val="0"/>
                 </a:ext>
                 <a:ext uri="{96DAC541-7B7A-43D3-8B79-37D633B846F1}">
-                  <asvg:svgBlip xmlns="" xmlns:asvg="http://schemas.microsoft.com/office/drawing/2016/SVG/main" r:embed="rId3"/>
+                  <asvg:svgBlip xmlns:asvg="http://schemas.microsoft.com/office/drawing/2016/SVG/main" xmlns="" r:embed="rId3"/>
                 </a:ext>
               </a:extLst>
             </a:blip>
@@ -10034,7 +10505,7 @@
                   <a14:useLocalDpi xmlns:a14="http://schemas.microsoft.com/office/drawing/2010/main" val="0"/>
                 </a:ext>
                 <a:ext uri="{96DAC541-7B7A-43D3-8B79-37D633B846F1}">
-                  <asvg:svgBlip xmlns="" xmlns:asvg="http://schemas.microsoft.com/office/drawing/2016/SVG/main" r:embed="rId3"/>
+                  <asvg:svgBlip xmlns:asvg="http://schemas.microsoft.com/office/drawing/2016/SVG/main" xmlns="" r:embed="rId3"/>
                 </a:ext>
               </a:extLst>
             </a:blip>
@@ -10073,7 +10544,7 @@
                   <a14:useLocalDpi xmlns:a14="http://schemas.microsoft.com/office/drawing/2010/main" val="0"/>
                 </a:ext>
                 <a:ext uri="{96DAC541-7B7A-43D3-8B79-37D633B846F1}">
-                  <asvg:svgBlip xmlns="" xmlns:asvg="http://schemas.microsoft.com/office/drawing/2016/SVG/main" r:embed="rId3"/>
+                  <asvg:svgBlip xmlns:asvg="http://schemas.microsoft.com/office/drawing/2016/SVG/main" xmlns="" r:embed="rId3"/>
                 </a:ext>
               </a:extLst>
             </a:blip>
@@ -10112,7 +10583,7 @@
                   <a14:useLocalDpi xmlns:a14="http://schemas.microsoft.com/office/drawing/2010/main" val="0"/>
                 </a:ext>
                 <a:ext uri="{96DAC541-7B7A-43D3-8B79-37D633B846F1}">
-                  <asvg:svgBlip xmlns="" xmlns:asvg="http://schemas.microsoft.com/office/drawing/2016/SVG/main" r:embed="rId3"/>
+                  <asvg:svgBlip xmlns:asvg="http://schemas.microsoft.com/office/drawing/2016/SVG/main" xmlns="" r:embed="rId3"/>
                 </a:ext>
               </a:extLst>
             </a:blip>
@@ -10442,7 +10913,7 @@
           <a:p>
             <a:fld id="{616D6166-2B42-4F11-BAA6-8ABAE1BE810C}" type="datetimeFigureOut">
               <a:rPr lang="en-US" noProof="0" smtClean="0"/>
-              <a:t>4/29/2025</a:t>
+              <a:t>5/12/2025</a:t>
             </a:fld>
             <a:endParaRPr lang="en-US" noProof="0" dirty="0"/>
           </a:p>
@@ -10574,7 +11045,7 @@
                   <a14:useLocalDpi xmlns:a14="http://schemas.microsoft.com/office/drawing/2010/main" val="0"/>
                 </a:ext>
                 <a:ext uri="{96DAC541-7B7A-43D3-8B79-37D633B846F1}">
-                  <asvg:svgBlip xmlns="" xmlns:asvg="http://schemas.microsoft.com/office/drawing/2016/SVG/main" r:embed="rId3"/>
+                  <asvg:svgBlip xmlns:asvg="http://schemas.microsoft.com/office/drawing/2016/SVG/main" xmlns="" r:embed="rId3"/>
                 </a:ext>
               </a:extLst>
             </a:blip>
@@ -10612,7 +11083,7 @@
                   <a14:useLocalDpi xmlns:a14="http://schemas.microsoft.com/office/drawing/2010/main" val="0"/>
                 </a:ext>
                 <a:ext uri="{96DAC541-7B7A-43D3-8B79-37D633B846F1}">
-                  <asvg:svgBlip xmlns="" xmlns:asvg="http://schemas.microsoft.com/office/drawing/2016/SVG/main" r:embed="rId3"/>
+                  <asvg:svgBlip xmlns:asvg="http://schemas.microsoft.com/office/drawing/2016/SVG/main" xmlns="" r:embed="rId3"/>
                 </a:ext>
               </a:extLst>
             </a:blip>
@@ -10651,7 +11122,7 @@
                   <a14:useLocalDpi xmlns:a14="http://schemas.microsoft.com/office/drawing/2010/main" val="0"/>
                 </a:ext>
                 <a:ext uri="{96DAC541-7B7A-43D3-8B79-37D633B846F1}">
-                  <asvg:svgBlip xmlns="" xmlns:asvg="http://schemas.microsoft.com/office/drawing/2016/SVG/main" r:embed="rId3"/>
+                  <asvg:svgBlip xmlns:asvg="http://schemas.microsoft.com/office/drawing/2016/SVG/main" xmlns="" r:embed="rId3"/>
                 </a:ext>
               </a:extLst>
             </a:blip>
@@ -10690,7 +11161,7 @@
                   <a14:useLocalDpi xmlns:a14="http://schemas.microsoft.com/office/drawing/2010/main" val="0"/>
                 </a:ext>
                 <a:ext uri="{96DAC541-7B7A-43D3-8B79-37D633B846F1}">
-                  <asvg:svgBlip xmlns="" xmlns:asvg="http://schemas.microsoft.com/office/drawing/2016/SVG/main" r:embed="rId3"/>
+                  <asvg:svgBlip xmlns:asvg="http://schemas.microsoft.com/office/drawing/2016/SVG/main" xmlns="" r:embed="rId3"/>
                 </a:ext>
               </a:extLst>
             </a:blip>
@@ -11002,7 +11473,7 @@
           <a:p>
             <a:fld id="{616D6166-2B42-4F11-BAA6-8ABAE1BE810C}" type="datetimeFigureOut">
               <a:rPr lang="en-US" noProof="0" smtClean="0"/>
-              <a:t>4/29/2025</a:t>
+              <a:t>5/12/2025</a:t>
             </a:fld>
             <a:endParaRPr lang="en-US" noProof="0" dirty="0"/>
           </a:p>
@@ -11129,7 +11600,7 @@
                   <a14:useLocalDpi xmlns:a14="http://schemas.microsoft.com/office/drawing/2010/main" val="0"/>
                 </a:ext>
                 <a:ext uri="{96DAC541-7B7A-43D3-8B79-37D633B846F1}">
-                  <asvg:svgBlip xmlns="" xmlns:asvg="http://schemas.microsoft.com/office/drawing/2016/SVG/main" r:embed="rId3"/>
+                  <asvg:svgBlip xmlns:asvg="http://schemas.microsoft.com/office/drawing/2016/SVG/main" xmlns="" r:embed="rId3"/>
                 </a:ext>
               </a:extLst>
             </a:blip>
@@ -11167,7 +11638,7 @@
                   <a14:useLocalDpi xmlns:a14="http://schemas.microsoft.com/office/drawing/2010/main" val="0"/>
                 </a:ext>
                 <a:ext uri="{96DAC541-7B7A-43D3-8B79-37D633B846F1}">
-                  <asvg:svgBlip xmlns="" xmlns:asvg="http://schemas.microsoft.com/office/drawing/2016/SVG/main" r:embed="rId3"/>
+                  <asvg:svgBlip xmlns:asvg="http://schemas.microsoft.com/office/drawing/2016/SVG/main" xmlns="" r:embed="rId3"/>
                 </a:ext>
               </a:extLst>
             </a:blip>
@@ -11206,7 +11677,7 @@
                   <a14:useLocalDpi xmlns:a14="http://schemas.microsoft.com/office/drawing/2010/main" val="0"/>
                 </a:ext>
                 <a:ext uri="{96DAC541-7B7A-43D3-8B79-37D633B846F1}">
-                  <asvg:svgBlip xmlns="" xmlns:asvg="http://schemas.microsoft.com/office/drawing/2016/SVG/main" r:embed="rId3"/>
+                  <asvg:svgBlip xmlns:asvg="http://schemas.microsoft.com/office/drawing/2016/SVG/main" xmlns="" r:embed="rId3"/>
                 </a:ext>
               </a:extLst>
             </a:blip>
@@ -11245,7 +11716,7 @@
                   <a14:useLocalDpi xmlns:a14="http://schemas.microsoft.com/office/drawing/2010/main" val="0"/>
                 </a:ext>
                 <a:ext uri="{96DAC541-7B7A-43D3-8B79-37D633B846F1}">
-                  <asvg:svgBlip xmlns="" xmlns:asvg="http://schemas.microsoft.com/office/drawing/2016/SVG/main" r:embed="rId3"/>
+                  <asvg:svgBlip xmlns:asvg="http://schemas.microsoft.com/office/drawing/2016/SVG/main" xmlns="" r:embed="rId3"/>
                 </a:ext>
               </a:extLst>
             </a:blip>
@@ -11284,7 +11755,7 @@
                   <a14:useLocalDpi xmlns:a14="http://schemas.microsoft.com/office/drawing/2010/main" val="0"/>
                 </a:ext>
                 <a:ext uri="{96DAC541-7B7A-43D3-8B79-37D633B846F1}">
-                  <asvg:svgBlip xmlns="" xmlns:asvg="http://schemas.microsoft.com/office/drawing/2016/SVG/main" r:embed="rId3"/>
+                  <asvg:svgBlip xmlns:asvg="http://schemas.microsoft.com/office/drawing/2016/SVG/main" xmlns="" r:embed="rId3"/>
                 </a:ext>
               </a:extLst>
             </a:blip>
@@ -11599,7 +12070,7 @@
           <a:p>
             <a:fld id="{616D6166-2B42-4F11-BAA6-8ABAE1BE810C}" type="datetimeFigureOut">
               <a:rPr lang="en-US" noProof="0" smtClean="0"/>
-              <a:t>4/29/2025</a:t>
+              <a:t>5/12/2025</a:t>
             </a:fld>
             <a:endParaRPr lang="en-US" noProof="0" dirty="0"/>
           </a:p>
@@ -11736,7 +12207,7 @@
                   <a14:useLocalDpi xmlns:a14="http://schemas.microsoft.com/office/drawing/2010/main" val="0"/>
                 </a:ext>
                 <a:ext uri="{96DAC541-7B7A-43D3-8B79-37D633B846F1}">
-                  <asvg:svgBlip xmlns="" xmlns:asvg="http://schemas.microsoft.com/office/drawing/2016/SVG/main" r:embed="rId3"/>
+                  <asvg:svgBlip xmlns:asvg="http://schemas.microsoft.com/office/drawing/2016/SVG/main" xmlns="" r:embed="rId3"/>
                 </a:ext>
               </a:extLst>
             </a:blip>
@@ -11774,7 +12245,7 @@
                   <a14:useLocalDpi xmlns:a14="http://schemas.microsoft.com/office/drawing/2010/main" val="0"/>
                 </a:ext>
                 <a:ext uri="{96DAC541-7B7A-43D3-8B79-37D633B846F1}">
-                  <asvg:svgBlip xmlns="" xmlns:asvg="http://schemas.microsoft.com/office/drawing/2016/SVG/main" r:embed="rId3"/>
+                  <asvg:svgBlip xmlns:asvg="http://schemas.microsoft.com/office/drawing/2016/SVG/main" xmlns="" r:embed="rId3"/>
                 </a:ext>
               </a:extLst>
             </a:blip>
@@ -11813,7 +12284,7 @@
                   <a14:useLocalDpi xmlns:a14="http://schemas.microsoft.com/office/drawing/2010/main" val="0"/>
                 </a:ext>
                 <a:ext uri="{96DAC541-7B7A-43D3-8B79-37D633B846F1}">
-                  <asvg:svgBlip xmlns="" xmlns:asvg="http://schemas.microsoft.com/office/drawing/2016/SVG/main" r:embed="rId3"/>
+                  <asvg:svgBlip xmlns:asvg="http://schemas.microsoft.com/office/drawing/2016/SVG/main" xmlns="" r:embed="rId3"/>
                 </a:ext>
               </a:extLst>
             </a:blip>
@@ -11852,7 +12323,7 @@
                   <a14:useLocalDpi xmlns:a14="http://schemas.microsoft.com/office/drawing/2010/main" val="0"/>
                 </a:ext>
                 <a:ext uri="{96DAC541-7B7A-43D3-8B79-37D633B846F1}">
-                  <asvg:svgBlip xmlns="" xmlns:asvg="http://schemas.microsoft.com/office/drawing/2016/SVG/main" r:embed="rId3"/>
+                  <asvg:svgBlip xmlns:asvg="http://schemas.microsoft.com/office/drawing/2016/SVG/main" xmlns="" r:embed="rId3"/>
                 </a:ext>
               </a:extLst>
             </a:blip>
@@ -11891,7 +12362,7 @@
                   <a14:useLocalDpi xmlns:a14="http://schemas.microsoft.com/office/drawing/2010/main" val="0"/>
                 </a:ext>
                 <a:ext uri="{96DAC541-7B7A-43D3-8B79-37D633B846F1}">
-                  <asvg:svgBlip xmlns="" xmlns:asvg="http://schemas.microsoft.com/office/drawing/2016/SVG/main" r:embed="rId3"/>
+                  <asvg:svgBlip xmlns:asvg="http://schemas.microsoft.com/office/drawing/2016/SVG/main" xmlns="" r:embed="rId3"/>
                 </a:ext>
               </a:extLst>
             </a:blip>
@@ -12338,7 +12809,7 @@
           <a:p>
             <a:fld id="{616D6166-2B42-4F11-BAA6-8ABAE1BE810C}" type="datetimeFigureOut">
               <a:rPr lang="en-US" noProof="0" smtClean="0"/>
-              <a:t>4/29/2025</a:t>
+              <a:t>5/12/2025</a:t>
             </a:fld>
             <a:endParaRPr lang="en-US" noProof="0" dirty="0"/>
           </a:p>
@@ -12465,7 +12936,7 @@
                   <a14:useLocalDpi xmlns:a14="http://schemas.microsoft.com/office/drawing/2010/main" val="0"/>
                 </a:ext>
                 <a:ext uri="{96DAC541-7B7A-43D3-8B79-37D633B846F1}">
-                  <asvg:svgBlip xmlns="" xmlns:asvg="http://schemas.microsoft.com/office/drawing/2016/SVG/main" r:embed="rId3"/>
+                  <asvg:svgBlip xmlns:asvg="http://schemas.microsoft.com/office/drawing/2016/SVG/main" xmlns="" r:embed="rId3"/>
                 </a:ext>
               </a:extLst>
             </a:blip>
@@ -12503,7 +12974,7 @@
                   <a14:useLocalDpi xmlns:a14="http://schemas.microsoft.com/office/drawing/2010/main" val="0"/>
                 </a:ext>
                 <a:ext uri="{96DAC541-7B7A-43D3-8B79-37D633B846F1}">
-                  <asvg:svgBlip xmlns="" xmlns:asvg="http://schemas.microsoft.com/office/drawing/2016/SVG/main" r:embed="rId3"/>
+                  <asvg:svgBlip xmlns:asvg="http://schemas.microsoft.com/office/drawing/2016/SVG/main" xmlns="" r:embed="rId3"/>
                 </a:ext>
               </a:extLst>
             </a:blip>
@@ -12542,7 +13013,7 @@
                   <a14:useLocalDpi xmlns:a14="http://schemas.microsoft.com/office/drawing/2010/main" val="0"/>
                 </a:ext>
                 <a:ext uri="{96DAC541-7B7A-43D3-8B79-37D633B846F1}">
-                  <asvg:svgBlip xmlns="" xmlns:asvg="http://schemas.microsoft.com/office/drawing/2016/SVG/main" r:embed="rId3"/>
+                  <asvg:svgBlip xmlns:asvg="http://schemas.microsoft.com/office/drawing/2016/SVG/main" xmlns="" r:embed="rId3"/>
                 </a:ext>
               </a:extLst>
             </a:blip>
@@ -12581,7 +13052,7 @@
                   <a14:useLocalDpi xmlns:a14="http://schemas.microsoft.com/office/drawing/2010/main" val="0"/>
                 </a:ext>
                 <a:ext uri="{96DAC541-7B7A-43D3-8B79-37D633B846F1}">
-                  <asvg:svgBlip xmlns="" xmlns:asvg="http://schemas.microsoft.com/office/drawing/2016/SVG/main" r:embed="rId3"/>
+                  <asvg:svgBlip xmlns:asvg="http://schemas.microsoft.com/office/drawing/2016/SVG/main" xmlns="" r:embed="rId3"/>
                 </a:ext>
               </a:extLst>
             </a:blip>
@@ -12620,7 +13091,7 @@
                   <a14:useLocalDpi xmlns:a14="http://schemas.microsoft.com/office/drawing/2010/main" val="0"/>
                 </a:ext>
                 <a:ext uri="{96DAC541-7B7A-43D3-8B79-37D633B846F1}">
-                  <asvg:svgBlip xmlns="" xmlns:asvg="http://schemas.microsoft.com/office/drawing/2016/SVG/main" r:embed="rId3"/>
+                  <asvg:svgBlip xmlns:asvg="http://schemas.microsoft.com/office/drawing/2016/SVG/main" xmlns="" r:embed="rId3"/>
                 </a:ext>
               </a:extLst>
             </a:blip>
@@ -12805,7 +13276,7 @@
           <a:p>
             <a:fld id="{616D6166-2B42-4F11-BAA6-8ABAE1BE810C}" type="datetimeFigureOut">
               <a:rPr lang="en-US" noProof="0" smtClean="0"/>
-              <a:t>4/29/2025</a:t>
+              <a:t>5/12/2025</a:t>
             </a:fld>
             <a:endParaRPr lang="en-US" noProof="0" dirty="0"/>
           </a:p>
@@ -13005,7 +13476,7 @@
                   <a14:useLocalDpi xmlns:a14="http://schemas.microsoft.com/office/drawing/2010/main" val="0"/>
                 </a:ext>
                 <a:ext uri="{96DAC541-7B7A-43D3-8B79-37D633B846F1}">
-                  <asvg:svgBlip xmlns="" xmlns:asvg="http://schemas.microsoft.com/office/drawing/2016/SVG/main" r:embed="rId3"/>
+                  <asvg:svgBlip xmlns:asvg="http://schemas.microsoft.com/office/drawing/2016/SVG/main" xmlns="" r:embed="rId3"/>
                 </a:ext>
               </a:extLst>
             </a:blip>
@@ -13043,7 +13514,7 @@
                   <a14:useLocalDpi xmlns:a14="http://schemas.microsoft.com/office/drawing/2010/main" val="0"/>
                 </a:ext>
                 <a:ext uri="{96DAC541-7B7A-43D3-8B79-37D633B846F1}">
-                  <asvg:svgBlip xmlns="" xmlns:asvg="http://schemas.microsoft.com/office/drawing/2016/SVG/main" r:embed="rId3"/>
+                  <asvg:svgBlip xmlns:asvg="http://schemas.microsoft.com/office/drawing/2016/SVG/main" xmlns="" r:embed="rId3"/>
                 </a:ext>
               </a:extLst>
             </a:blip>
@@ -13082,7 +13553,7 @@
                   <a14:useLocalDpi xmlns:a14="http://schemas.microsoft.com/office/drawing/2010/main" val="0"/>
                 </a:ext>
                 <a:ext uri="{96DAC541-7B7A-43D3-8B79-37D633B846F1}">
-                  <asvg:svgBlip xmlns="" xmlns:asvg="http://schemas.microsoft.com/office/drawing/2016/SVG/main" r:embed="rId3"/>
+                  <asvg:svgBlip xmlns:asvg="http://schemas.microsoft.com/office/drawing/2016/SVG/main" xmlns="" r:embed="rId3"/>
                 </a:ext>
               </a:extLst>
             </a:blip>
@@ -13121,7 +13592,7 @@
                   <a14:useLocalDpi xmlns:a14="http://schemas.microsoft.com/office/drawing/2010/main" val="0"/>
                 </a:ext>
                 <a:ext uri="{96DAC541-7B7A-43D3-8B79-37D633B846F1}">
-                  <asvg:svgBlip xmlns="" xmlns:asvg="http://schemas.microsoft.com/office/drawing/2016/SVG/main" r:embed="rId3"/>
+                  <asvg:svgBlip xmlns:asvg="http://schemas.microsoft.com/office/drawing/2016/SVG/main" xmlns="" r:embed="rId3"/>
                 </a:ext>
               </a:extLst>
             </a:blip>
@@ -13160,7 +13631,7 @@
                   <a14:useLocalDpi xmlns:a14="http://schemas.microsoft.com/office/drawing/2010/main" val="0"/>
                 </a:ext>
                 <a:ext uri="{96DAC541-7B7A-43D3-8B79-37D633B846F1}">
-                  <asvg:svgBlip xmlns="" xmlns:asvg="http://schemas.microsoft.com/office/drawing/2016/SVG/main" r:embed="rId3"/>
+                  <asvg:svgBlip xmlns:asvg="http://schemas.microsoft.com/office/drawing/2016/SVG/main" xmlns="" r:embed="rId3"/>
                 </a:ext>
               </a:extLst>
             </a:blip>
@@ -13358,7 +13829,7 @@
           <a:p>
             <a:fld id="{616D6166-2B42-4F11-BAA6-8ABAE1BE810C}" type="datetimeFigureOut">
               <a:rPr lang="en-US" noProof="0" smtClean="0"/>
-              <a:t>4/29/2025</a:t>
+              <a:t>5/12/2025</a:t>
             </a:fld>
             <a:endParaRPr lang="en-US" noProof="0" dirty="0"/>
           </a:p>
@@ -13485,7 +13956,7 @@
                   <a14:useLocalDpi xmlns:a14="http://schemas.microsoft.com/office/drawing/2010/main" val="0"/>
                 </a:ext>
                 <a:ext uri="{96DAC541-7B7A-43D3-8B79-37D633B846F1}">
-                  <asvg:svgBlip xmlns="" xmlns:asvg="http://schemas.microsoft.com/office/drawing/2016/SVG/main" r:embed="rId3"/>
+                  <asvg:svgBlip xmlns:asvg="http://schemas.microsoft.com/office/drawing/2016/SVG/main" xmlns="" r:embed="rId3"/>
                 </a:ext>
               </a:extLst>
             </a:blip>
@@ -13523,7 +13994,7 @@
                   <a14:useLocalDpi xmlns:a14="http://schemas.microsoft.com/office/drawing/2010/main" val="0"/>
                 </a:ext>
                 <a:ext uri="{96DAC541-7B7A-43D3-8B79-37D633B846F1}">
-                  <asvg:svgBlip xmlns="" xmlns:asvg="http://schemas.microsoft.com/office/drawing/2016/SVG/main" r:embed="rId3"/>
+                  <asvg:svgBlip xmlns:asvg="http://schemas.microsoft.com/office/drawing/2016/SVG/main" xmlns="" r:embed="rId3"/>
                 </a:ext>
               </a:extLst>
             </a:blip>
@@ -13562,7 +14033,7 @@
                   <a14:useLocalDpi xmlns:a14="http://schemas.microsoft.com/office/drawing/2010/main" val="0"/>
                 </a:ext>
                 <a:ext uri="{96DAC541-7B7A-43D3-8B79-37D633B846F1}">
-                  <asvg:svgBlip xmlns="" xmlns:asvg="http://schemas.microsoft.com/office/drawing/2016/SVG/main" r:embed="rId3"/>
+                  <asvg:svgBlip xmlns:asvg="http://schemas.microsoft.com/office/drawing/2016/SVG/main" xmlns="" r:embed="rId3"/>
                 </a:ext>
               </a:extLst>
             </a:blip>
@@ -13601,7 +14072,7 @@
                   <a14:useLocalDpi xmlns:a14="http://schemas.microsoft.com/office/drawing/2010/main" val="0"/>
                 </a:ext>
                 <a:ext uri="{96DAC541-7B7A-43D3-8B79-37D633B846F1}">
-                  <asvg:svgBlip xmlns="" xmlns:asvg="http://schemas.microsoft.com/office/drawing/2016/SVG/main" r:embed="rId3"/>
+                  <asvg:svgBlip xmlns:asvg="http://schemas.microsoft.com/office/drawing/2016/SVG/main" xmlns="" r:embed="rId3"/>
                 </a:ext>
               </a:extLst>
             </a:blip>
@@ -13640,7 +14111,7 @@
                   <a14:useLocalDpi xmlns:a14="http://schemas.microsoft.com/office/drawing/2010/main" val="0"/>
                 </a:ext>
                 <a:ext uri="{96DAC541-7B7A-43D3-8B79-37D633B846F1}">
-                  <asvg:svgBlip xmlns="" xmlns:asvg="http://schemas.microsoft.com/office/drawing/2016/SVG/main" r:embed="rId3"/>
+                  <asvg:svgBlip xmlns:asvg="http://schemas.microsoft.com/office/drawing/2016/SVG/main" xmlns="" r:embed="rId3"/>
                 </a:ext>
               </a:extLst>
             </a:blip>
@@ -13838,7 +14309,7 @@
           <a:p>
             <a:fld id="{616D6166-2B42-4F11-BAA6-8ABAE1BE810C}" type="datetimeFigureOut">
               <a:rPr lang="en-US" noProof="0" smtClean="0"/>
-              <a:t>4/29/2025</a:t>
+              <a:t>5/12/2025</a:t>
             </a:fld>
             <a:endParaRPr lang="en-US" noProof="0" dirty="0"/>
           </a:p>
@@ -14126,7 +14597,7 @@
           <a:p>
             <a:fld id="{616D6166-2B42-4F11-BAA6-8ABAE1BE810C}" type="datetimeFigureOut">
               <a:rPr lang="en-US" noProof="0" smtClean="0"/>
-              <a:t>4/29/2025</a:t>
+              <a:t>5/12/2025</a:t>
             </a:fld>
             <a:endParaRPr lang="en-US" noProof="0" dirty="0"/>
           </a:p>
@@ -14598,7 +15069,7 @@
                 <a14:useLocalDpi xmlns:a14="http://schemas.microsoft.com/office/drawing/2010/main" val="0"/>
               </a:ext>
               <a:ext uri="{96DAC541-7B7A-43D3-8B79-37D633B846F1}">
-                <asvg:svgBlip xmlns="" xmlns:asvg="http://schemas.microsoft.com/office/drawing/2016/SVG/main" r:embed="rId3"/>
+                <asvg:svgBlip xmlns:asvg="http://schemas.microsoft.com/office/drawing/2016/SVG/main" xmlns="" r:embed="rId3"/>
               </a:ext>
             </a:extLst>
           </a:blip>
@@ -14709,6 +15180,1884 @@
     <p:extLst>
       <p:ext uri="{BB962C8B-B14F-4D97-AF65-F5344CB8AC3E}">
         <p14:creationId xmlns:p14="http://schemas.microsoft.com/office/powerpoint/2010/main" val="1906530976"/>
+      </p:ext>
+    </p:extLst>
+  </p:cSld>
+  <p:clrMapOvr>
+    <a:masterClrMapping/>
+  </p:clrMapOvr>
+</p:sld>
+</file>
+
+<file path=ppt/slides/slide10.xml><?xml version="1.0" encoding="utf-8"?>
+<p:sld xmlns:a="http://schemas.openxmlformats.org/drawingml/2006/main" xmlns:r="http://schemas.openxmlformats.org/officeDocument/2006/relationships" xmlns:p="http://schemas.openxmlformats.org/presentationml/2006/main">
+  <p:cSld>
+    <p:spTree>
+      <p:nvGrpSpPr>
+        <p:cNvPr id="1" name=""/>
+        <p:cNvGrpSpPr/>
+        <p:nvPr/>
+      </p:nvGrpSpPr>
+      <p:grpSpPr>
+        <a:xfrm>
+          <a:off x="0" y="0"/>
+          <a:ext cx="0" cy="0"/>
+          <a:chOff x="0" y="0"/>
+          <a:chExt cx="0" cy="0"/>
+        </a:xfrm>
+      </p:grpSpPr>
+      <p:pic>
+        <p:nvPicPr>
+          <p:cNvPr id="6" name="Graphic 5" descr="Learning icon">
+            <a:extLst>
+              <a:ext uri="{FF2B5EF4-FFF2-40B4-BE49-F238E27FC236}">
+                <a16:creationId xmlns:a16="http://schemas.microsoft.com/office/drawing/2014/main" id="{FE130EDC-6F0A-417B-A698-CF2C65F0A3B3}"/>
+              </a:ext>
+            </a:extLst>
+          </p:cNvPr>
+          <p:cNvPicPr>
+            <a:picLocks noChangeAspect="1"/>
+          </p:cNvPicPr>
+          <p:nvPr/>
+        </p:nvPicPr>
+        <p:blipFill>
+          <a:blip r:embed="rId3">
+            <a:extLst>
+              <a:ext uri="{28A0092B-C50C-407E-A947-70E740481C1C}">
+                <a14:useLocalDpi xmlns:a14="http://schemas.microsoft.com/office/drawing/2010/main" val="0"/>
+              </a:ext>
+              <a:ext uri="{96DAC541-7B7A-43D3-8B79-37D633B846F1}">
+                <asvg:svgBlip xmlns:asvg="http://schemas.microsoft.com/office/drawing/2016/SVG/main" xmlns="" r:embed="rId4"/>
+              </a:ext>
+            </a:extLst>
+          </a:blip>
+          <a:stretch>
+            <a:fillRect/>
+          </a:stretch>
+        </p:blipFill>
+        <p:spPr>
+          <a:xfrm>
+            <a:off x="118946" y="613889"/>
+            <a:ext cx="1440000" cy="1440000"/>
+          </a:xfrm>
+          <a:prstGeom prst="rect">
+            <a:avLst/>
+          </a:prstGeom>
+        </p:spPr>
+      </p:pic>
+      <p:sp>
+        <p:nvSpPr>
+          <p:cNvPr id="2" name="Title 1">
+            <a:extLst>
+              <a:ext uri="{FF2B5EF4-FFF2-40B4-BE49-F238E27FC236}">
+                <a16:creationId xmlns:a16="http://schemas.microsoft.com/office/drawing/2014/main" id="{D78D0989-E3E5-41DB-A78D-61E199491D89}"/>
+              </a:ext>
+            </a:extLst>
+          </p:cNvPr>
+          <p:cNvSpPr>
+            <a:spLocks noGrp="1"/>
+          </p:cNvSpPr>
+          <p:nvPr>
+            <p:ph type="title"/>
+          </p:nvPr>
+        </p:nvSpPr>
+        <p:spPr/>
+        <p:txBody>
+          <a:bodyPr/>
+          <a:lstStyle/>
+          <a:p>
+            <a:r>
+              <a:rPr lang="en-US" dirty="0" smtClean="0">
+                <a:latin typeface="Tw Cen MT" panose="020B0602020104020603" pitchFamily="34" charset="0"/>
+              </a:rPr>
+              <a:t>1.4 </a:t>
+            </a:r>
+            <a:r>
+              <a:rPr lang="en-US" altLang="en-US" dirty="0">
+                <a:latin typeface="Arial" panose="020B0604020202020204" pitchFamily="34" charset="0"/>
+              </a:rPr>
+              <a:t>Trends in </a:t>
+            </a:r>
+            <a:r>
+              <a:rPr lang="en-US" altLang="en-US" dirty="0" smtClean="0">
+                <a:latin typeface="Arial" panose="020B0604020202020204" pitchFamily="34" charset="0"/>
+              </a:rPr>
+              <a:t>Technology</a:t>
+            </a:r>
+            <a:endParaRPr lang="en-US" dirty="0">
+              <a:latin typeface="Tw Cen MT" panose="020B0602020104020603" pitchFamily="34" charset="0"/>
+            </a:endParaRPr>
+          </a:p>
+        </p:txBody>
+      </p:sp>
+      <p:sp>
+        <p:nvSpPr>
+          <p:cNvPr id="4" name="Rectangle 1"/>
+          <p:cNvSpPr>
+            <a:spLocks noGrp="1" noChangeArrowheads="1"/>
+          </p:cNvSpPr>
+          <p:nvPr>
+            <p:ph sz="half" idx="1"/>
+          </p:nvPr>
+        </p:nvSpPr>
+        <p:spPr bwMode="auto">
+          <a:xfrm>
+            <a:off x="393700" y="2286011"/>
+            <a:ext cx="10888019" cy="3970318"/>
+          </a:xfrm>
+          <a:prstGeom prst="rect">
+            <a:avLst/>
+          </a:prstGeom>
+          <a:noFill/>
+          <a:ln>
+            <a:noFill/>
+          </a:ln>
+          <a:effectLst/>
+          <a:extLst>
+            <a:ext uri="{909E8E84-426E-40DD-AFC4-6F175D3DCCD1}">
+              <a14:hiddenFill xmlns:a14="http://schemas.microsoft.com/office/drawing/2010/main">
+                <a:solidFill>
+                  <a:schemeClr val="accent1"/>
+                </a:solidFill>
+              </a14:hiddenFill>
+            </a:ext>
+            <a:ext uri="{91240B29-F687-4F45-9708-019B960494DF}">
+              <a14:hiddenLine xmlns:a14="http://schemas.microsoft.com/office/drawing/2010/main" w="9525">
+                <a:solidFill>
+                  <a:schemeClr val="tx1"/>
+                </a:solidFill>
+                <a:miter lim="800000"/>
+                <a:headEnd/>
+                <a:tailEnd/>
+              </a14:hiddenLine>
+            </a:ext>
+            <a:ext uri="{AF507438-7753-43E0-B8FC-AC1667EBCBE1}">
+              <a14:hiddenEffects xmlns:a14="http://schemas.microsoft.com/office/drawing/2010/main">
+                <a:effectLst>
+                  <a:outerShdw dist="35921" dir="2700000" algn="ctr" rotWithShape="0">
+                    <a:schemeClr val="bg2"/>
+                  </a:outerShdw>
+                </a:effectLst>
+              </a14:hiddenEffects>
+            </a:ext>
+          </a:extLst>
+        </p:spPr>
+        <p:txBody>
+          <a:bodyPr vert="horz" wrap="square" lIns="91440" tIns="45720" rIns="91440" bIns="45720" numCol="1" anchor="ctr" anchorCtr="0" compatLnSpc="1">
+            <a:prstTxWarp prst="textNoShape">
+              <a:avLst/>
+            </a:prstTxWarp>
+            <a:spAutoFit/>
+          </a:bodyPr>
+          <a:lstStyle/>
+          <a:p>
+            <a:pPr marL="0" marR="0" lvl="0" indent="0" algn="l" defTabSz="914400" rtl="0" eaLnBrk="0" fontAlgn="base" latinLnBrk="0" hangingPunct="0">
+              <a:lnSpc>
+                <a:spcPct val="100000"/>
+              </a:lnSpc>
+              <a:spcBef>
+                <a:spcPct val="0"/>
+              </a:spcBef>
+              <a:spcAft>
+                <a:spcPct val="0"/>
+              </a:spcAft>
+              <a:buClrTx/>
+              <a:buSzTx/>
+              <a:buFontTx/>
+              <a:buNone/>
+              <a:tabLst/>
+            </a:pPr>
+            <a:endParaRPr kumimoji="0" lang="en-US" altLang="en-US" sz="1800" b="0" i="0" u="none" strike="noStrike" cap="none" normalizeH="0" baseline="0" dirty="0" smtClean="0">
+              <a:ln>
+                <a:noFill/>
+              </a:ln>
+              <a:solidFill>
+                <a:schemeClr val="tx1"/>
+              </a:solidFill>
+              <a:effectLst/>
+              <a:latin typeface="Arial" panose="020B0604020202020204" pitchFamily="34" charset="0"/>
+            </a:endParaRPr>
+          </a:p>
+          <a:p>
+            <a:pPr marL="0" marR="0" lvl="0" indent="0" algn="l" defTabSz="914400" rtl="0" eaLnBrk="0" fontAlgn="base" latinLnBrk="0" hangingPunct="0">
+              <a:lnSpc>
+                <a:spcPct val="100000"/>
+              </a:lnSpc>
+              <a:spcBef>
+                <a:spcPct val="0"/>
+              </a:spcBef>
+              <a:spcAft>
+                <a:spcPct val="0"/>
+              </a:spcAft>
+              <a:buClrTx/>
+              <a:buSzTx/>
+              <a:buFontTx/>
+              <a:buChar char="•"/>
+              <a:tabLst/>
+            </a:pPr>
+            <a:r>
+              <a:rPr kumimoji="0" lang="en-US" altLang="en-US" sz="1800" b="0" i="0" u="none" strike="noStrike" cap="none" normalizeH="0" baseline="0" dirty="0" smtClean="0">
+                <a:ln>
+                  <a:noFill/>
+                </a:ln>
+                <a:solidFill>
+                  <a:schemeClr val="tx1"/>
+                </a:solidFill>
+                <a:effectLst/>
+                <a:latin typeface="Arial" panose="020B0604020202020204" pitchFamily="34" charset="0"/>
+              </a:rPr>
+              <a:t> Computer architecture is driven by rapid technological advancements.   </a:t>
+            </a:r>
+          </a:p>
+          <a:p>
+            <a:pPr marL="0" marR="0" lvl="0" indent="0" algn="l" defTabSz="914400" rtl="0" eaLnBrk="0" fontAlgn="base" latinLnBrk="0" hangingPunct="0">
+              <a:lnSpc>
+                <a:spcPct val="100000"/>
+              </a:lnSpc>
+              <a:spcBef>
+                <a:spcPct val="0"/>
+              </a:spcBef>
+              <a:spcAft>
+                <a:spcPct val="0"/>
+              </a:spcAft>
+              <a:buClrTx/>
+              <a:buSzTx/>
+              <a:buFontTx/>
+              <a:buChar char="•"/>
+              <a:tabLst/>
+            </a:pPr>
+            <a:r>
+              <a:rPr kumimoji="0" lang="en-US" altLang="en-US" sz="1800" b="0" i="0" u="none" strike="noStrike" cap="none" normalizeH="0" baseline="0" dirty="0" smtClean="0">
+                <a:ln>
+                  <a:noFill/>
+                </a:ln>
+                <a:solidFill>
+                  <a:schemeClr val="tx1"/>
+                </a:solidFill>
+                <a:effectLst/>
+                <a:latin typeface="Arial" panose="020B0604020202020204" pitchFamily="34" charset="0"/>
+              </a:rPr>
+              <a:t> Key technology trends include: </a:t>
+            </a:r>
+          </a:p>
+          <a:p>
+            <a:pPr marL="457200" marR="0" lvl="1" indent="0" algn="l" defTabSz="914400" rtl="0" eaLnBrk="0" fontAlgn="base" latinLnBrk="0" hangingPunct="0">
+              <a:lnSpc>
+                <a:spcPct val="100000"/>
+              </a:lnSpc>
+              <a:spcBef>
+                <a:spcPct val="0"/>
+              </a:spcBef>
+              <a:spcAft>
+                <a:spcPct val="0"/>
+              </a:spcAft>
+              <a:buClrTx/>
+              <a:buSzTx/>
+              <a:buFontTx/>
+              <a:buChar char="•"/>
+              <a:tabLst/>
+            </a:pPr>
+            <a:r>
+              <a:rPr kumimoji="0" lang="en-US" altLang="en-US" sz="1800" b="1" i="0" u="none" strike="noStrike" cap="none" normalizeH="0" baseline="0" dirty="0" smtClean="0">
+                <a:ln>
+                  <a:noFill/>
+                </a:ln>
+                <a:solidFill>
+                  <a:schemeClr val="tx1"/>
+                </a:solidFill>
+                <a:effectLst/>
+                <a:latin typeface="Arial" panose="020B0604020202020204" pitchFamily="34" charset="0"/>
+              </a:rPr>
+              <a:t>Integrated Circuit Logic Technology:</a:t>
+            </a:r>
+            <a:r>
+              <a:rPr kumimoji="0" lang="en-US" altLang="en-US" sz="1800" b="0" i="0" u="none" strike="noStrike" cap="none" normalizeH="0" baseline="0" dirty="0" smtClean="0">
+                <a:ln>
+                  <a:noFill/>
+                </a:ln>
+                <a:solidFill>
+                  <a:schemeClr val="tx1"/>
+                </a:solidFill>
+                <a:effectLst/>
+                <a:latin typeface="Arial" panose="020B0604020202020204" pitchFamily="34" charset="0"/>
+              </a:rPr>
+              <a:t> </a:t>
+            </a:r>
+          </a:p>
+          <a:p>
+            <a:pPr marL="914400" marR="0" lvl="2" indent="0" algn="l" defTabSz="914400" rtl="0" eaLnBrk="0" fontAlgn="base" latinLnBrk="0" hangingPunct="0">
+              <a:lnSpc>
+                <a:spcPct val="100000"/>
+              </a:lnSpc>
+              <a:spcBef>
+                <a:spcPct val="0"/>
+              </a:spcBef>
+              <a:spcAft>
+                <a:spcPct val="0"/>
+              </a:spcAft>
+              <a:buClrTx/>
+              <a:buSzTx/>
+              <a:buFontTx/>
+              <a:buChar char="•"/>
+              <a:tabLst/>
+            </a:pPr>
+            <a:r>
+              <a:rPr kumimoji="0" lang="en-US" altLang="en-US" sz="1800" b="0" i="0" u="none" strike="noStrike" cap="none" normalizeH="0" baseline="0" dirty="0" smtClean="0">
+                <a:ln>
+                  <a:noFill/>
+                </a:ln>
+                <a:solidFill>
+                  <a:schemeClr val="tx1"/>
+                </a:solidFill>
+                <a:effectLst/>
+                <a:latin typeface="Arial" panose="020B0604020202020204" pitchFamily="34" charset="0"/>
+              </a:rPr>
+              <a:t>Transistor density continues to increase at a rapid pace, following Moore's Law (doubling approximately every 18-24 months). The document mentions a 35% increase per year.   </a:t>
+            </a:r>
+          </a:p>
+          <a:p>
+            <a:pPr marL="914400" marR="0" lvl="2" indent="0" algn="l" defTabSz="914400" rtl="0" eaLnBrk="0" fontAlgn="base" latinLnBrk="0" hangingPunct="0">
+              <a:lnSpc>
+                <a:spcPct val="100000"/>
+              </a:lnSpc>
+              <a:spcBef>
+                <a:spcPct val="0"/>
+              </a:spcBef>
+              <a:spcAft>
+                <a:spcPct val="0"/>
+              </a:spcAft>
+              <a:buClrTx/>
+              <a:buSzTx/>
+              <a:buFontTx/>
+              <a:buChar char="•"/>
+              <a:tabLst/>
+            </a:pPr>
+            <a:r>
+              <a:rPr kumimoji="0" lang="en-US" altLang="en-US" sz="1800" b="0" i="0" u="none" strike="noStrike" cap="none" normalizeH="0" baseline="0" dirty="0" smtClean="0">
+                <a:ln>
+                  <a:noFill/>
+                </a:ln>
+                <a:solidFill>
+                  <a:schemeClr val="tx1"/>
+                </a:solidFill>
+                <a:effectLst/>
+                <a:latin typeface="Arial" panose="020B0604020202020204" pitchFamily="34" charset="0"/>
+              </a:rPr>
+              <a:t>While transistor performance improves with shrinking feature sizes, wire delay has become a significant bottleneck.   </a:t>
+            </a:r>
+          </a:p>
+          <a:p>
+            <a:pPr marL="457200" marR="0" lvl="1" indent="0" algn="l" defTabSz="914400" rtl="0" eaLnBrk="0" fontAlgn="base" latinLnBrk="0" hangingPunct="0">
+              <a:lnSpc>
+                <a:spcPct val="100000"/>
+              </a:lnSpc>
+              <a:spcBef>
+                <a:spcPct val="0"/>
+              </a:spcBef>
+              <a:spcAft>
+                <a:spcPct val="0"/>
+              </a:spcAft>
+              <a:buClrTx/>
+              <a:buSzTx/>
+              <a:buFontTx/>
+              <a:buChar char="•"/>
+              <a:tabLst/>
+            </a:pPr>
+            <a:r>
+              <a:rPr kumimoji="0" lang="en-US" altLang="en-US" sz="1800" b="1" i="0" u="none" strike="noStrike" cap="none" normalizeH="0" baseline="0" dirty="0" smtClean="0">
+                <a:ln>
+                  <a:noFill/>
+                </a:ln>
+                <a:solidFill>
+                  <a:schemeClr val="tx1"/>
+                </a:solidFill>
+                <a:effectLst/>
+                <a:latin typeface="Arial" panose="020B0604020202020204" pitchFamily="34" charset="0"/>
+              </a:rPr>
+              <a:t>Memory Technology:</a:t>
+            </a:r>
+            <a:r>
+              <a:rPr kumimoji="0" lang="en-US" altLang="en-US" sz="1800" b="0" i="0" u="none" strike="noStrike" cap="none" normalizeH="0" baseline="0" dirty="0" smtClean="0">
+                <a:ln>
+                  <a:noFill/>
+                </a:ln>
+                <a:solidFill>
+                  <a:schemeClr val="tx1"/>
+                </a:solidFill>
+                <a:effectLst/>
+                <a:latin typeface="Arial" panose="020B0604020202020204" pitchFamily="34" charset="0"/>
+              </a:rPr>
+              <a:t> </a:t>
+            </a:r>
+          </a:p>
+          <a:p>
+            <a:pPr marL="914400" marR="0" lvl="2" indent="0" algn="l" defTabSz="914400" rtl="0" eaLnBrk="0" fontAlgn="base" latinLnBrk="0" hangingPunct="0">
+              <a:lnSpc>
+                <a:spcPct val="100000"/>
+              </a:lnSpc>
+              <a:spcBef>
+                <a:spcPct val="0"/>
+              </a:spcBef>
+              <a:spcAft>
+                <a:spcPct val="0"/>
+              </a:spcAft>
+              <a:buClrTx/>
+              <a:buSzTx/>
+              <a:buFontTx/>
+              <a:buChar char="•"/>
+              <a:tabLst/>
+            </a:pPr>
+            <a:r>
+              <a:rPr kumimoji="0" lang="en-US" altLang="en-US" sz="1800" b="0" i="0" u="none" strike="noStrike" cap="none" normalizeH="0" baseline="0" dirty="0" smtClean="0">
+                <a:ln>
+                  <a:noFill/>
+                </a:ln>
+                <a:solidFill>
+                  <a:schemeClr val="tx1"/>
+                </a:solidFill>
+                <a:effectLst/>
+                <a:latin typeface="Arial" panose="020B0604020202020204" pitchFamily="34" charset="0"/>
+              </a:rPr>
+              <a:t>DRAM chip capacity also sees significant increases.   </a:t>
+            </a:r>
+          </a:p>
+          <a:p>
+            <a:pPr marL="457200" marR="0" lvl="1" indent="0" algn="l" defTabSz="914400" rtl="0" eaLnBrk="0" fontAlgn="base" latinLnBrk="0" hangingPunct="0">
+              <a:lnSpc>
+                <a:spcPct val="100000"/>
+              </a:lnSpc>
+              <a:spcBef>
+                <a:spcPct val="0"/>
+              </a:spcBef>
+              <a:spcAft>
+                <a:spcPct val="0"/>
+              </a:spcAft>
+              <a:buClrTx/>
+              <a:buSzTx/>
+              <a:buFontTx/>
+              <a:buChar char="•"/>
+              <a:tabLst/>
+            </a:pPr>
+            <a:r>
+              <a:rPr kumimoji="0" lang="en-US" altLang="en-US" sz="1800" b="1" i="0" u="none" strike="noStrike" cap="none" normalizeH="0" baseline="0" dirty="0" smtClean="0">
+                <a:ln>
+                  <a:noFill/>
+                </a:ln>
+                <a:solidFill>
+                  <a:schemeClr val="tx1"/>
+                </a:solidFill>
+                <a:effectLst/>
+                <a:latin typeface="Arial" panose="020B0604020202020204" pitchFamily="34" charset="0"/>
+              </a:rPr>
+              <a:t>Networking Technology:</a:t>
+            </a:r>
+            <a:r>
+              <a:rPr kumimoji="0" lang="en-US" altLang="en-US" sz="1800" b="0" i="0" u="none" strike="noStrike" cap="none" normalizeH="0" baseline="0" dirty="0" smtClean="0">
+                <a:ln>
+                  <a:noFill/>
+                </a:ln>
+                <a:solidFill>
+                  <a:schemeClr val="tx1"/>
+                </a:solidFill>
+                <a:effectLst/>
+                <a:latin typeface="Arial" panose="020B0604020202020204" pitchFamily="34" charset="0"/>
+              </a:rPr>
+              <a:t> </a:t>
+            </a:r>
+          </a:p>
+          <a:p>
+            <a:pPr marL="914400" marR="0" lvl="2" indent="0" algn="l" defTabSz="914400" rtl="0" eaLnBrk="0" fontAlgn="base" latinLnBrk="0" hangingPunct="0">
+              <a:lnSpc>
+                <a:spcPct val="100000"/>
+              </a:lnSpc>
+              <a:spcBef>
+                <a:spcPct val="0"/>
+              </a:spcBef>
+              <a:spcAft>
+                <a:spcPct val="0"/>
+              </a:spcAft>
+              <a:buClrTx/>
+              <a:buSzTx/>
+              <a:buFontTx/>
+              <a:buChar char="•"/>
+              <a:tabLst/>
+            </a:pPr>
+            <a:r>
+              <a:rPr kumimoji="0" lang="en-US" altLang="en-US" sz="1800" b="0" i="0" u="none" strike="noStrike" cap="none" normalizeH="0" baseline="0" dirty="0" smtClean="0">
+                <a:ln>
+                  <a:noFill/>
+                </a:ln>
+                <a:solidFill>
+                  <a:schemeClr val="tx1"/>
+                </a:solidFill>
+                <a:effectLst/>
+                <a:latin typeface="Arial" panose="020B0604020202020204" pitchFamily="34" charset="0"/>
+              </a:rPr>
+              <a:t>Bandwidth improvements in networking technology are outpacing latency improvements.   </a:t>
+            </a:r>
+          </a:p>
+          <a:p>
+            <a:pPr marL="0" marR="0" lvl="0" indent="0" algn="l" defTabSz="914400" rtl="0" eaLnBrk="0" fontAlgn="base" latinLnBrk="0" hangingPunct="0">
+              <a:lnSpc>
+                <a:spcPct val="100000"/>
+              </a:lnSpc>
+              <a:spcBef>
+                <a:spcPct val="0"/>
+              </a:spcBef>
+              <a:spcAft>
+                <a:spcPct val="0"/>
+              </a:spcAft>
+              <a:buClrTx/>
+              <a:buSzTx/>
+              <a:buFontTx/>
+              <a:buChar char="•"/>
+              <a:tabLst/>
+            </a:pPr>
+            <a:r>
+              <a:rPr kumimoji="0" lang="en-US" altLang="en-US" sz="1800" b="0" i="0" u="none" strike="noStrike" cap="none" normalizeH="0" baseline="0" dirty="0" smtClean="0">
+                <a:ln>
+                  <a:noFill/>
+                </a:ln>
+                <a:solidFill>
+                  <a:schemeClr val="tx1"/>
+                </a:solidFill>
+                <a:effectLst/>
+                <a:latin typeface="Arial" panose="020B0604020202020204" pitchFamily="34" charset="0"/>
+              </a:rPr>
+              <a:t> These rapid changes necessitate that instruction set architectures are designed to be adaptable</a:t>
+            </a:r>
+          </a:p>
+          <a:p>
+            <a:pPr marL="0" marR="0" lvl="0" indent="0" algn="l" defTabSz="914400" rtl="0" eaLnBrk="0" fontAlgn="base" latinLnBrk="0" hangingPunct="0">
+              <a:lnSpc>
+                <a:spcPct val="100000"/>
+              </a:lnSpc>
+              <a:spcBef>
+                <a:spcPct val="0"/>
+              </a:spcBef>
+              <a:spcAft>
+                <a:spcPct val="0"/>
+              </a:spcAft>
+              <a:buClrTx/>
+              <a:buSzTx/>
+              <a:buFontTx/>
+              <a:buNone/>
+              <a:tabLst/>
+            </a:pPr>
+            <a:endParaRPr kumimoji="0" lang="en-US" altLang="en-US" sz="1800" b="0" i="0" u="none" strike="noStrike" cap="none" normalizeH="0" baseline="0" dirty="0" smtClean="0">
+              <a:ln>
+                <a:noFill/>
+              </a:ln>
+              <a:solidFill>
+                <a:schemeClr val="tx1"/>
+              </a:solidFill>
+              <a:effectLst/>
+              <a:latin typeface="Arial" panose="020B0604020202020204" pitchFamily="34" charset="0"/>
+            </a:endParaRPr>
+          </a:p>
+        </p:txBody>
+      </p:sp>
+    </p:spTree>
+    <p:extLst>
+      <p:ext uri="{BB962C8B-B14F-4D97-AF65-F5344CB8AC3E}">
+        <p14:creationId xmlns:p14="http://schemas.microsoft.com/office/powerpoint/2010/main" val="743773820"/>
+      </p:ext>
+    </p:extLst>
+  </p:cSld>
+  <p:clrMapOvr>
+    <a:masterClrMapping/>
+  </p:clrMapOvr>
+</p:sld>
+</file>
+
+<file path=ppt/slides/slide11.xml><?xml version="1.0" encoding="utf-8"?>
+<p:sld xmlns:a="http://schemas.openxmlformats.org/drawingml/2006/main" xmlns:r="http://schemas.openxmlformats.org/officeDocument/2006/relationships" xmlns:p="http://schemas.openxmlformats.org/presentationml/2006/main">
+  <p:cSld>
+    <p:spTree>
+      <p:nvGrpSpPr>
+        <p:cNvPr id="1" name=""/>
+        <p:cNvGrpSpPr/>
+        <p:nvPr/>
+      </p:nvGrpSpPr>
+      <p:grpSpPr>
+        <a:xfrm>
+          <a:off x="0" y="0"/>
+          <a:ext cx="0" cy="0"/>
+          <a:chOff x="0" y="0"/>
+          <a:chExt cx="0" cy="0"/>
+        </a:xfrm>
+      </p:grpSpPr>
+      <p:pic>
+        <p:nvPicPr>
+          <p:cNvPr id="6" name="Graphic 5" descr="Learning icon">
+            <a:extLst>
+              <a:ext uri="{FF2B5EF4-FFF2-40B4-BE49-F238E27FC236}">
+                <a16:creationId xmlns:a16="http://schemas.microsoft.com/office/drawing/2014/main" id="{FE130EDC-6F0A-417B-A698-CF2C65F0A3B3}"/>
+              </a:ext>
+            </a:extLst>
+          </p:cNvPr>
+          <p:cNvPicPr>
+            <a:picLocks noChangeAspect="1"/>
+          </p:cNvPicPr>
+          <p:nvPr/>
+        </p:nvPicPr>
+        <p:blipFill>
+          <a:blip r:embed="rId3">
+            <a:extLst>
+              <a:ext uri="{28A0092B-C50C-407E-A947-70E740481C1C}">
+                <a14:useLocalDpi xmlns:a14="http://schemas.microsoft.com/office/drawing/2010/main" val="0"/>
+              </a:ext>
+              <a:ext uri="{96DAC541-7B7A-43D3-8B79-37D633B846F1}">
+                <asvg:svgBlip xmlns:asvg="http://schemas.microsoft.com/office/drawing/2016/SVG/main" xmlns="" r:embed="rId4"/>
+              </a:ext>
+            </a:extLst>
+          </a:blip>
+          <a:stretch>
+            <a:fillRect/>
+          </a:stretch>
+        </p:blipFill>
+        <p:spPr>
+          <a:xfrm>
+            <a:off x="118946" y="613889"/>
+            <a:ext cx="1440000" cy="1440000"/>
+          </a:xfrm>
+          <a:prstGeom prst="rect">
+            <a:avLst/>
+          </a:prstGeom>
+        </p:spPr>
+      </p:pic>
+      <p:sp>
+        <p:nvSpPr>
+          <p:cNvPr id="2" name="Title 1">
+            <a:extLst>
+              <a:ext uri="{FF2B5EF4-FFF2-40B4-BE49-F238E27FC236}">
+                <a16:creationId xmlns:a16="http://schemas.microsoft.com/office/drawing/2014/main" id="{D78D0989-E3E5-41DB-A78D-61E199491D89}"/>
+              </a:ext>
+            </a:extLst>
+          </p:cNvPr>
+          <p:cNvSpPr>
+            <a:spLocks noGrp="1"/>
+          </p:cNvSpPr>
+          <p:nvPr>
+            <p:ph type="title"/>
+          </p:nvPr>
+        </p:nvSpPr>
+        <p:spPr/>
+        <p:txBody>
+          <a:bodyPr>
+            <a:normAutofit/>
+          </a:bodyPr>
+          <a:lstStyle/>
+          <a:p>
+            <a:r>
+              <a:rPr lang="en-US" dirty="0" smtClean="0">
+                <a:latin typeface="Tw Cen MT" panose="020B0602020104020603" pitchFamily="34" charset="0"/>
+              </a:rPr>
+              <a:t>1.5 </a:t>
+            </a:r>
+            <a:r>
+              <a:rPr lang="en-US" altLang="en-US" dirty="0">
+                <a:latin typeface="Arial" panose="020B0604020202020204" pitchFamily="34" charset="0"/>
+              </a:rPr>
+              <a:t>Trends in Power and Energy in Integrated </a:t>
+            </a:r>
+            <a:r>
+              <a:rPr lang="en-US" altLang="en-US" dirty="0" smtClean="0">
+                <a:latin typeface="Arial" panose="020B0604020202020204" pitchFamily="34" charset="0"/>
+              </a:rPr>
+              <a:t>Circuits</a:t>
+            </a:r>
+            <a:endParaRPr lang="en-US" dirty="0">
+              <a:latin typeface="Tw Cen MT" panose="020B0602020104020603" pitchFamily="34" charset="0"/>
+            </a:endParaRPr>
+          </a:p>
+        </p:txBody>
+      </p:sp>
+      <p:sp>
+        <p:nvSpPr>
+          <p:cNvPr id="4" name="Rectangle 1"/>
+          <p:cNvSpPr>
+            <a:spLocks noGrp="1" noChangeArrowheads="1"/>
+          </p:cNvSpPr>
+          <p:nvPr>
+            <p:ph sz="half" idx="1"/>
+          </p:nvPr>
+        </p:nvSpPr>
+        <p:spPr bwMode="auto">
+          <a:xfrm>
+            <a:off x="393700" y="3948004"/>
+            <a:ext cx="10888019" cy="646331"/>
+          </a:xfrm>
+          <a:prstGeom prst="rect">
+            <a:avLst/>
+          </a:prstGeom>
+          <a:noFill/>
+          <a:ln>
+            <a:noFill/>
+          </a:ln>
+          <a:effectLst/>
+          <a:extLst>
+            <a:ext uri="{909E8E84-426E-40DD-AFC4-6F175D3DCCD1}">
+              <a14:hiddenFill xmlns:a14="http://schemas.microsoft.com/office/drawing/2010/main">
+                <a:solidFill>
+                  <a:schemeClr val="accent1"/>
+                </a:solidFill>
+              </a14:hiddenFill>
+            </a:ext>
+            <a:ext uri="{91240B29-F687-4F45-9708-019B960494DF}">
+              <a14:hiddenLine xmlns:a14="http://schemas.microsoft.com/office/drawing/2010/main" w="9525">
+                <a:solidFill>
+                  <a:schemeClr val="tx1"/>
+                </a:solidFill>
+                <a:miter lim="800000"/>
+                <a:headEnd/>
+                <a:tailEnd/>
+              </a14:hiddenLine>
+            </a:ext>
+            <a:ext uri="{AF507438-7753-43E0-B8FC-AC1667EBCBE1}">
+              <a14:hiddenEffects xmlns:a14="http://schemas.microsoft.com/office/drawing/2010/main">
+                <a:effectLst>
+                  <a:outerShdw dist="35921" dir="2700000" algn="ctr" rotWithShape="0">
+                    <a:schemeClr val="bg2"/>
+                  </a:outerShdw>
+                </a:effectLst>
+              </a14:hiddenEffects>
+            </a:ext>
+          </a:extLst>
+        </p:spPr>
+        <p:txBody>
+          <a:bodyPr vert="horz" wrap="square" lIns="91440" tIns="45720" rIns="91440" bIns="45720" numCol="1" anchor="ctr" anchorCtr="0" compatLnSpc="1">
+            <a:prstTxWarp prst="textNoShape">
+              <a:avLst/>
+            </a:prstTxWarp>
+            <a:spAutoFit/>
+          </a:bodyPr>
+          <a:lstStyle/>
+          <a:p>
+            <a:pPr marL="0" marR="0" lvl="0" indent="0" algn="l" defTabSz="914400" rtl="0" eaLnBrk="0" fontAlgn="base" latinLnBrk="0" hangingPunct="0">
+              <a:lnSpc>
+                <a:spcPct val="100000"/>
+              </a:lnSpc>
+              <a:spcBef>
+                <a:spcPct val="0"/>
+              </a:spcBef>
+              <a:spcAft>
+                <a:spcPct val="0"/>
+              </a:spcAft>
+              <a:buClrTx/>
+              <a:buSzTx/>
+              <a:buFontTx/>
+              <a:buNone/>
+              <a:tabLst/>
+            </a:pPr>
+            <a:endParaRPr kumimoji="0" lang="en-US" altLang="en-US" sz="1800" b="0" i="0" u="none" strike="noStrike" cap="none" normalizeH="0" baseline="0" dirty="0" smtClean="0">
+              <a:ln>
+                <a:noFill/>
+              </a:ln>
+              <a:solidFill>
+                <a:schemeClr val="tx1"/>
+              </a:solidFill>
+              <a:effectLst/>
+              <a:latin typeface="Arial" panose="020B0604020202020204" pitchFamily="34" charset="0"/>
+            </a:endParaRPr>
+          </a:p>
+          <a:p>
+            <a:pPr marL="0" marR="0" lvl="0" indent="0" algn="l" defTabSz="914400" rtl="0" eaLnBrk="0" fontAlgn="base" latinLnBrk="0" hangingPunct="0">
+              <a:lnSpc>
+                <a:spcPct val="100000"/>
+              </a:lnSpc>
+              <a:spcBef>
+                <a:spcPct val="0"/>
+              </a:spcBef>
+              <a:spcAft>
+                <a:spcPct val="0"/>
+              </a:spcAft>
+              <a:buClrTx/>
+              <a:buSzTx/>
+              <a:buFontTx/>
+              <a:buNone/>
+              <a:tabLst/>
+            </a:pPr>
+            <a:endParaRPr kumimoji="0" lang="en-US" altLang="en-US" sz="1800" b="0" i="0" u="none" strike="noStrike" cap="none" normalizeH="0" baseline="0" dirty="0" smtClean="0">
+              <a:ln>
+                <a:noFill/>
+              </a:ln>
+              <a:solidFill>
+                <a:schemeClr val="tx1"/>
+              </a:solidFill>
+              <a:effectLst/>
+              <a:latin typeface="Arial" panose="020B0604020202020204" pitchFamily="34" charset="0"/>
+            </a:endParaRPr>
+          </a:p>
+        </p:txBody>
+      </p:sp>
+      <p:sp>
+        <p:nvSpPr>
+          <p:cNvPr id="3" name="Rectangle 1"/>
+          <p:cNvSpPr>
+            <a:spLocks noChangeArrowheads="1"/>
+          </p:cNvSpPr>
+          <p:nvPr/>
+        </p:nvSpPr>
+        <p:spPr bwMode="auto">
+          <a:xfrm>
+            <a:off x="492554" y="2327795"/>
+            <a:ext cx="11357807" cy="3693319"/>
+          </a:xfrm>
+          <a:prstGeom prst="rect">
+            <a:avLst/>
+          </a:prstGeom>
+          <a:noFill/>
+          <a:ln>
+            <a:noFill/>
+          </a:ln>
+          <a:effectLst/>
+          <a:extLst>
+            <a:ext uri="{909E8E84-426E-40DD-AFC4-6F175D3DCCD1}">
+              <a14:hiddenFill xmlns:a14="http://schemas.microsoft.com/office/drawing/2010/main">
+                <a:solidFill>
+                  <a:schemeClr val="accent1"/>
+                </a:solidFill>
+              </a14:hiddenFill>
+            </a:ext>
+            <a:ext uri="{91240B29-F687-4F45-9708-019B960494DF}">
+              <a14:hiddenLine xmlns:a14="http://schemas.microsoft.com/office/drawing/2010/main" w="9525">
+                <a:solidFill>
+                  <a:schemeClr val="tx1"/>
+                </a:solidFill>
+                <a:miter lim="800000"/>
+                <a:headEnd/>
+                <a:tailEnd/>
+              </a14:hiddenLine>
+            </a:ext>
+            <a:ext uri="{AF507438-7753-43E0-B8FC-AC1667EBCBE1}">
+              <a14:hiddenEffects xmlns:a14="http://schemas.microsoft.com/office/drawing/2010/main">
+                <a:effectLst>
+                  <a:outerShdw dist="35921" dir="2700000" algn="ctr" rotWithShape="0">
+                    <a:schemeClr val="bg2"/>
+                  </a:outerShdw>
+                </a:effectLst>
+              </a14:hiddenEffects>
+            </a:ext>
+          </a:extLst>
+        </p:spPr>
+        <p:txBody>
+          <a:bodyPr vert="horz" wrap="square" lIns="91440" tIns="45720" rIns="91440" bIns="45720" numCol="1" anchor="ctr" anchorCtr="0" compatLnSpc="1">
+            <a:prstTxWarp prst="textNoShape">
+              <a:avLst/>
+            </a:prstTxWarp>
+            <a:spAutoFit/>
+          </a:bodyPr>
+          <a:lstStyle/>
+          <a:p>
+            <a:pPr marL="0" marR="0" lvl="0" indent="0" algn="l" defTabSz="914400" rtl="0" eaLnBrk="0" fontAlgn="base" latinLnBrk="0" hangingPunct="0">
+              <a:lnSpc>
+                <a:spcPct val="100000"/>
+              </a:lnSpc>
+              <a:spcBef>
+                <a:spcPct val="0"/>
+              </a:spcBef>
+              <a:spcAft>
+                <a:spcPct val="0"/>
+              </a:spcAft>
+              <a:buClrTx/>
+              <a:buSzTx/>
+              <a:buFontTx/>
+              <a:buNone/>
+              <a:tabLst/>
+            </a:pPr>
+            <a:r>
+              <a:rPr kumimoji="0" lang="en-US" altLang="en-US" sz="1800" b="1" i="0" u="none" strike="noStrike" cap="none" normalizeH="0" baseline="0" dirty="0" smtClean="0">
+                <a:ln>
+                  <a:noFill/>
+                </a:ln>
+                <a:solidFill>
+                  <a:schemeClr val="tx1"/>
+                </a:solidFill>
+                <a:effectLst/>
+                <a:latin typeface="Arial" panose="020B0604020202020204" pitchFamily="34" charset="0"/>
+              </a:rPr>
+              <a:t>Trends in Power and Energy in Integrated Circuits</a:t>
+            </a:r>
+          </a:p>
+          <a:p>
+            <a:pPr marL="0" marR="0" lvl="0" indent="0" algn="l" defTabSz="914400" rtl="0" eaLnBrk="0" fontAlgn="base" latinLnBrk="0" hangingPunct="0">
+              <a:lnSpc>
+                <a:spcPct val="100000"/>
+              </a:lnSpc>
+              <a:spcBef>
+                <a:spcPct val="0"/>
+              </a:spcBef>
+              <a:spcAft>
+                <a:spcPct val="0"/>
+              </a:spcAft>
+              <a:buClrTx/>
+              <a:buSzTx/>
+              <a:buFontTx/>
+              <a:buNone/>
+              <a:tabLst/>
+            </a:pPr>
+            <a:r>
+              <a:rPr kumimoji="0" lang="en-US" altLang="en-US" sz="1800" b="1" i="0" u="none" strike="noStrike" cap="none" normalizeH="0" baseline="0" dirty="0" smtClean="0">
+                <a:ln>
+                  <a:noFill/>
+                </a:ln>
+                <a:solidFill>
+                  <a:schemeClr val="tx1"/>
+                </a:solidFill>
+                <a:effectLst/>
+                <a:latin typeface="Arial" panose="020B0604020202020204" pitchFamily="34" charset="0"/>
+              </a:rPr>
+              <a:t>                                                                                                                                              </a:t>
+            </a:r>
+            <a:endParaRPr kumimoji="0" lang="en-US" altLang="en-US" sz="1800" b="0" i="0" u="none" strike="noStrike" cap="none" normalizeH="0" baseline="0" dirty="0" smtClean="0">
+              <a:ln>
+                <a:noFill/>
+              </a:ln>
+              <a:solidFill>
+                <a:schemeClr val="tx1"/>
+              </a:solidFill>
+              <a:effectLst/>
+              <a:latin typeface="Arial" panose="020B0604020202020204" pitchFamily="34" charset="0"/>
+            </a:endParaRPr>
+          </a:p>
+          <a:p>
+            <a:pPr marL="0" marR="0" lvl="0" indent="0" algn="l" defTabSz="914400" rtl="0" eaLnBrk="0" fontAlgn="base" latinLnBrk="0" hangingPunct="0">
+              <a:lnSpc>
+                <a:spcPct val="100000"/>
+              </a:lnSpc>
+              <a:spcBef>
+                <a:spcPct val="0"/>
+              </a:spcBef>
+              <a:spcAft>
+                <a:spcPct val="0"/>
+              </a:spcAft>
+              <a:buClrTx/>
+              <a:buSzTx/>
+              <a:buFontTx/>
+              <a:buChar char="•"/>
+              <a:tabLst/>
+            </a:pPr>
+            <a:r>
+              <a:rPr kumimoji="0" lang="en-US" altLang="en-US" sz="1800" b="0" i="0" u="none" strike="noStrike" cap="none" normalizeH="0" baseline="0" dirty="0" smtClean="0">
+                <a:ln>
+                  <a:noFill/>
+                </a:ln>
+                <a:solidFill>
+                  <a:schemeClr val="tx1"/>
+                </a:solidFill>
+                <a:effectLst/>
+                <a:latin typeface="Arial" panose="020B0604020202020204" pitchFamily="34" charset="0"/>
+              </a:rPr>
+              <a:t>Power has become a primary design constraint across all computer classes.   </a:t>
+            </a:r>
+          </a:p>
+          <a:p>
+            <a:pPr marL="0" marR="0" lvl="0" indent="0" algn="l" defTabSz="914400" rtl="0" eaLnBrk="0" fontAlgn="base" latinLnBrk="0" hangingPunct="0">
+              <a:lnSpc>
+                <a:spcPct val="100000"/>
+              </a:lnSpc>
+              <a:spcBef>
+                <a:spcPct val="0"/>
+              </a:spcBef>
+              <a:spcAft>
+                <a:spcPct val="0"/>
+              </a:spcAft>
+              <a:buClrTx/>
+              <a:buSzTx/>
+              <a:buFontTx/>
+              <a:buChar char="•"/>
+              <a:tabLst/>
+            </a:pPr>
+            <a:endParaRPr kumimoji="0" lang="en-US" altLang="en-US" sz="1800" b="0" i="0" u="none" strike="noStrike" cap="none" normalizeH="0" baseline="0" dirty="0" smtClean="0">
+              <a:ln>
+                <a:noFill/>
+              </a:ln>
+              <a:solidFill>
+                <a:schemeClr val="tx1"/>
+              </a:solidFill>
+              <a:effectLst/>
+              <a:latin typeface="Arial" panose="020B0604020202020204" pitchFamily="34" charset="0"/>
+            </a:endParaRPr>
+          </a:p>
+          <a:p>
+            <a:pPr marL="0" marR="0" lvl="0" indent="0" algn="l" defTabSz="914400" rtl="0" eaLnBrk="0" fontAlgn="base" latinLnBrk="0" hangingPunct="0">
+              <a:lnSpc>
+                <a:spcPct val="100000"/>
+              </a:lnSpc>
+              <a:spcBef>
+                <a:spcPct val="0"/>
+              </a:spcBef>
+              <a:spcAft>
+                <a:spcPct val="0"/>
+              </a:spcAft>
+              <a:buClrTx/>
+              <a:buSzTx/>
+              <a:buFontTx/>
+              <a:buChar char="•"/>
+              <a:tabLst/>
+            </a:pPr>
+            <a:r>
+              <a:rPr kumimoji="0" lang="en-US" altLang="en-US" sz="1800" b="0" i="0" u="none" strike="noStrike" cap="none" normalizeH="0" baseline="0" dirty="0" smtClean="0">
+                <a:ln>
+                  <a:noFill/>
+                </a:ln>
+                <a:solidFill>
+                  <a:schemeClr val="tx1"/>
+                </a:solidFill>
+                <a:effectLst/>
+                <a:latin typeface="Arial" panose="020B0604020202020204" pitchFamily="34" charset="0"/>
+              </a:rPr>
+              <a:t>Key power-related concerns for computer architects include: </a:t>
+            </a:r>
+          </a:p>
+          <a:p>
+            <a:pPr marL="457200" marR="0" lvl="1" indent="0" algn="l" defTabSz="914400" rtl="0" eaLnBrk="0" fontAlgn="base" latinLnBrk="0" hangingPunct="0">
+              <a:lnSpc>
+                <a:spcPct val="100000"/>
+              </a:lnSpc>
+              <a:spcBef>
+                <a:spcPct val="0"/>
+              </a:spcBef>
+              <a:spcAft>
+                <a:spcPct val="0"/>
+              </a:spcAft>
+              <a:buClrTx/>
+              <a:buSzTx/>
+              <a:buFontTx/>
+              <a:buChar char="•"/>
+              <a:tabLst/>
+            </a:pPr>
+            <a:r>
+              <a:rPr kumimoji="0" lang="en-US" altLang="en-US" sz="1800" b="1" i="0" u="none" strike="noStrike" cap="none" normalizeH="0" baseline="0" dirty="0" smtClean="0">
+                <a:ln>
+                  <a:noFill/>
+                </a:ln>
+                <a:solidFill>
+                  <a:schemeClr val="tx1"/>
+                </a:solidFill>
+                <a:effectLst/>
+                <a:latin typeface="Arial" panose="020B0604020202020204" pitchFamily="34" charset="0"/>
+              </a:rPr>
+              <a:t>Maximum power dissipation:</a:t>
+            </a:r>
+            <a:r>
+              <a:rPr kumimoji="0" lang="en-US" altLang="en-US" sz="1800" b="0" i="0" u="none" strike="noStrike" cap="none" normalizeH="0" baseline="0" dirty="0" smtClean="0">
+                <a:ln>
+                  <a:noFill/>
+                </a:ln>
+                <a:solidFill>
+                  <a:schemeClr val="tx1"/>
+                </a:solidFill>
+                <a:effectLst/>
+                <a:latin typeface="Arial" panose="020B0604020202020204" pitchFamily="34" charset="0"/>
+              </a:rPr>
+              <a:t> The peak amount of power a chip or system can handle. </a:t>
+            </a:r>
+          </a:p>
+          <a:p>
+            <a:pPr marL="457200" marR="0" lvl="1" indent="0" algn="l" defTabSz="914400" rtl="0" eaLnBrk="0" fontAlgn="base" latinLnBrk="0" hangingPunct="0">
+              <a:lnSpc>
+                <a:spcPct val="100000"/>
+              </a:lnSpc>
+              <a:spcBef>
+                <a:spcPct val="0"/>
+              </a:spcBef>
+              <a:spcAft>
+                <a:spcPct val="0"/>
+              </a:spcAft>
+              <a:buClrTx/>
+              <a:buSzTx/>
+              <a:buFontTx/>
+              <a:buChar char="•"/>
+              <a:tabLst/>
+            </a:pPr>
+            <a:r>
+              <a:rPr kumimoji="0" lang="en-US" altLang="en-US" sz="1800" b="1" i="0" u="none" strike="noStrike" cap="none" normalizeH="0" baseline="0" dirty="0" smtClean="0">
+                <a:ln>
+                  <a:noFill/>
+                </a:ln>
+                <a:solidFill>
+                  <a:schemeClr val="tx1"/>
+                </a:solidFill>
+                <a:effectLst/>
+                <a:latin typeface="Arial" panose="020B0604020202020204" pitchFamily="34" charset="0"/>
+              </a:rPr>
+              <a:t>Thermal Design Power (TDP):</a:t>
+            </a:r>
+            <a:r>
+              <a:rPr kumimoji="0" lang="en-US" altLang="en-US" sz="1800" b="0" i="0" u="none" strike="noStrike" cap="none" normalizeH="0" baseline="0" dirty="0" smtClean="0">
+                <a:ln>
+                  <a:noFill/>
+                </a:ln>
+                <a:solidFill>
+                  <a:schemeClr val="tx1"/>
+                </a:solidFill>
+                <a:effectLst/>
+                <a:latin typeface="Arial" panose="020B0604020202020204" pitchFamily="34" charset="0"/>
+              </a:rPr>
+              <a:t> The amount of heat a system must be designed to dissipate. </a:t>
+            </a:r>
+          </a:p>
+          <a:p>
+            <a:pPr marL="457200" marR="0" lvl="1" indent="0" algn="l" defTabSz="914400" rtl="0" eaLnBrk="0" fontAlgn="base" latinLnBrk="0" hangingPunct="0">
+              <a:lnSpc>
+                <a:spcPct val="100000"/>
+              </a:lnSpc>
+              <a:spcBef>
+                <a:spcPct val="0"/>
+              </a:spcBef>
+              <a:spcAft>
+                <a:spcPct val="0"/>
+              </a:spcAft>
+              <a:buClrTx/>
+              <a:buSzTx/>
+              <a:buFontTx/>
+              <a:buChar char="•"/>
+              <a:tabLst/>
+            </a:pPr>
+            <a:r>
+              <a:rPr kumimoji="0" lang="en-US" altLang="en-US" sz="1800" b="1" i="0" u="none" strike="noStrike" cap="none" normalizeH="0" baseline="0" dirty="0" smtClean="0">
+                <a:ln>
+                  <a:noFill/>
+                </a:ln>
+                <a:solidFill>
+                  <a:schemeClr val="tx1"/>
+                </a:solidFill>
+                <a:effectLst/>
+                <a:latin typeface="Arial" panose="020B0604020202020204" pitchFamily="34" charset="0"/>
+              </a:rPr>
+              <a:t>Energy efficiency:</a:t>
+            </a:r>
+            <a:r>
+              <a:rPr kumimoji="0" lang="en-US" altLang="en-US" sz="1800" b="0" i="0" u="none" strike="noStrike" cap="none" normalizeH="0" baseline="0" dirty="0" smtClean="0">
+                <a:ln>
+                  <a:noFill/>
+                </a:ln>
+                <a:solidFill>
+                  <a:schemeClr val="tx1"/>
+                </a:solidFill>
+                <a:effectLst/>
+                <a:latin typeface="Arial" panose="020B0604020202020204" pitchFamily="34" charset="0"/>
+              </a:rPr>
+              <a:t> Optimizing performance while minimizing energy consumption. </a:t>
+            </a:r>
+          </a:p>
+          <a:p>
+            <a:pPr marL="457200" marR="0" lvl="1" indent="0" algn="l" defTabSz="914400" rtl="0" eaLnBrk="0" fontAlgn="base" latinLnBrk="0" hangingPunct="0">
+              <a:lnSpc>
+                <a:spcPct val="100000"/>
+              </a:lnSpc>
+              <a:spcBef>
+                <a:spcPct val="0"/>
+              </a:spcBef>
+              <a:spcAft>
+                <a:spcPct val="0"/>
+              </a:spcAft>
+              <a:buClrTx/>
+              <a:buSzTx/>
+              <a:tabLst/>
+            </a:pPr>
+            <a:r>
+              <a:rPr kumimoji="0" lang="en-US" altLang="en-US" sz="1800" b="0" i="0" u="none" strike="noStrike" cap="none" normalizeH="0" baseline="0" dirty="0" smtClean="0">
+                <a:ln>
+                  <a:noFill/>
+                </a:ln>
+                <a:solidFill>
+                  <a:schemeClr val="tx1"/>
+                </a:solidFill>
+                <a:effectLst/>
+                <a:latin typeface="Arial" panose="020B0604020202020204" pitchFamily="34" charset="0"/>
+              </a:rPr>
+              <a:t>  </a:t>
+            </a:r>
+          </a:p>
+          <a:p>
+            <a:pPr marL="0" marR="0" lvl="0" indent="0" algn="l" defTabSz="914400" rtl="0" eaLnBrk="0" fontAlgn="base" latinLnBrk="0" hangingPunct="0">
+              <a:lnSpc>
+                <a:spcPct val="100000"/>
+              </a:lnSpc>
+              <a:spcBef>
+                <a:spcPct val="0"/>
+              </a:spcBef>
+              <a:spcAft>
+                <a:spcPct val="0"/>
+              </a:spcAft>
+              <a:buClrTx/>
+              <a:buSzTx/>
+              <a:buFontTx/>
+              <a:buChar char="•"/>
+              <a:tabLst/>
+            </a:pPr>
+            <a:r>
+              <a:rPr kumimoji="0" lang="en-US" altLang="en-US" sz="1800" b="0" i="0" u="none" strike="noStrike" cap="none" normalizeH="0" baseline="0" dirty="0" smtClean="0">
+                <a:ln>
+                  <a:noFill/>
+                </a:ln>
+                <a:solidFill>
+                  <a:schemeClr val="tx1"/>
+                </a:solidFill>
+                <a:effectLst/>
+                <a:latin typeface="Arial" panose="020B0604020202020204" pitchFamily="34" charset="0"/>
+              </a:rPr>
+              <a:t>Energy consumption is considered a more comprehensive metric than power alone for comparing processors.</a:t>
+            </a:r>
+          </a:p>
+          <a:p>
+            <a:pPr marL="0" marR="0" lvl="0" indent="0" algn="l" defTabSz="914400" rtl="0" eaLnBrk="0" fontAlgn="base" latinLnBrk="0" hangingPunct="0">
+              <a:lnSpc>
+                <a:spcPct val="100000"/>
+              </a:lnSpc>
+              <a:spcBef>
+                <a:spcPct val="0"/>
+              </a:spcBef>
+              <a:spcAft>
+                <a:spcPct val="0"/>
+              </a:spcAft>
+              <a:buClrTx/>
+              <a:buSzTx/>
+              <a:buFontTx/>
+              <a:buChar char="•"/>
+              <a:tabLst/>
+            </a:pPr>
+            <a:endParaRPr lang="en-US" altLang="en-US" dirty="0">
+              <a:latin typeface="Arial" panose="020B0604020202020204" pitchFamily="34" charset="0"/>
+            </a:endParaRPr>
+          </a:p>
+          <a:p>
+            <a:pPr marL="0" marR="0" lvl="0" indent="0" algn="l" defTabSz="914400" rtl="0" eaLnBrk="0" fontAlgn="base" latinLnBrk="0" hangingPunct="0">
+              <a:lnSpc>
+                <a:spcPct val="100000"/>
+              </a:lnSpc>
+              <a:spcBef>
+                <a:spcPct val="0"/>
+              </a:spcBef>
+              <a:spcAft>
+                <a:spcPct val="0"/>
+              </a:spcAft>
+              <a:buClrTx/>
+              <a:buSzTx/>
+              <a:buFontTx/>
+              <a:buChar char="•"/>
+              <a:tabLst/>
+            </a:pPr>
+            <a:r>
+              <a:rPr kumimoji="0" lang="en-US" altLang="en-US" sz="1800" b="0" i="0" u="none" strike="noStrike" cap="none" normalizeH="0" baseline="0" dirty="0" smtClean="0">
+                <a:ln>
+                  <a:noFill/>
+                </a:ln>
+                <a:solidFill>
+                  <a:schemeClr val="tx1"/>
+                </a:solidFill>
+                <a:effectLst/>
+                <a:latin typeface="Arial" panose="020B0604020202020204" pitchFamily="34" charset="0"/>
+              </a:rPr>
+              <a:t> Energy consumption accounts for both power usage and the time it takes to execute specific tasks.</a:t>
+            </a:r>
+          </a:p>
+          <a:p>
+            <a:pPr marL="0" marR="0" lvl="0" indent="0" algn="l" defTabSz="914400" rtl="0" eaLnBrk="0" fontAlgn="base" latinLnBrk="0" hangingPunct="0">
+              <a:lnSpc>
+                <a:spcPct val="100000"/>
+              </a:lnSpc>
+              <a:spcBef>
+                <a:spcPct val="0"/>
+              </a:spcBef>
+              <a:spcAft>
+                <a:spcPct val="0"/>
+              </a:spcAft>
+              <a:buClrTx/>
+              <a:buSzTx/>
+              <a:buFontTx/>
+              <a:buNone/>
+              <a:tabLst/>
+            </a:pPr>
+            <a:endParaRPr kumimoji="0" lang="en-US" altLang="en-US" sz="1800" b="0" i="0" u="none" strike="noStrike" cap="none" normalizeH="0" baseline="0" dirty="0" smtClean="0">
+              <a:ln>
+                <a:noFill/>
+              </a:ln>
+              <a:solidFill>
+                <a:schemeClr val="tx1"/>
+              </a:solidFill>
+              <a:effectLst/>
+              <a:latin typeface="Arial" panose="020B0604020202020204" pitchFamily="34" charset="0"/>
+            </a:endParaRPr>
+          </a:p>
+        </p:txBody>
+      </p:sp>
+    </p:spTree>
+    <p:extLst>
+      <p:ext uri="{BB962C8B-B14F-4D97-AF65-F5344CB8AC3E}">
+        <p14:creationId xmlns:p14="http://schemas.microsoft.com/office/powerpoint/2010/main" val="375988293"/>
+      </p:ext>
+    </p:extLst>
+  </p:cSld>
+  <p:clrMapOvr>
+    <a:masterClrMapping/>
+  </p:clrMapOvr>
+</p:sld>
+</file>
+
+<file path=ppt/slides/slide12.xml><?xml version="1.0" encoding="utf-8"?>
+<p:sld xmlns:a="http://schemas.openxmlformats.org/drawingml/2006/main" xmlns:r="http://schemas.openxmlformats.org/officeDocument/2006/relationships" xmlns:p="http://schemas.openxmlformats.org/presentationml/2006/main">
+  <p:cSld>
+    <p:spTree>
+      <p:nvGrpSpPr>
+        <p:cNvPr id="1" name=""/>
+        <p:cNvGrpSpPr/>
+        <p:nvPr/>
+      </p:nvGrpSpPr>
+      <p:grpSpPr>
+        <a:xfrm>
+          <a:off x="0" y="0"/>
+          <a:ext cx="0" cy="0"/>
+          <a:chOff x="0" y="0"/>
+          <a:chExt cx="0" cy="0"/>
+        </a:xfrm>
+      </p:grpSpPr>
+      <p:pic>
+        <p:nvPicPr>
+          <p:cNvPr id="6" name="Graphic 5" descr="Learning icon">
+            <a:extLst>
+              <a:ext uri="{FF2B5EF4-FFF2-40B4-BE49-F238E27FC236}">
+                <a16:creationId xmlns:a16="http://schemas.microsoft.com/office/drawing/2014/main" id="{FE130EDC-6F0A-417B-A698-CF2C65F0A3B3}"/>
+              </a:ext>
+            </a:extLst>
+          </p:cNvPr>
+          <p:cNvPicPr>
+            <a:picLocks noChangeAspect="1"/>
+          </p:cNvPicPr>
+          <p:nvPr/>
+        </p:nvPicPr>
+        <p:blipFill>
+          <a:blip r:embed="rId3">
+            <a:extLst>
+              <a:ext uri="{28A0092B-C50C-407E-A947-70E740481C1C}">
+                <a14:useLocalDpi xmlns:a14="http://schemas.microsoft.com/office/drawing/2010/main" val="0"/>
+              </a:ext>
+              <a:ext uri="{96DAC541-7B7A-43D3-8B79-37D633B846F1}">
+                <asvg:svgBlip xmlns:asvg="http://schemas.microsoft.com/office/drawing/2016/SVG/main" xmlns="" r:embed="rId4"/>
+              </a:ext>
+            </a:extLst>
+          </a:blip>
+          <a:stretch>
+            <a:fillRect/>
+          </a:stretch>
+        </p:blipFill>
+        <p:spPr>
+          <a:xfrm>
+            <a:off x="118946" y="613889"/>
+            <a:ext cx="1440000" cy="1440000"/>
+          </a:xfrm>
+          <a:prstGeom prst="rect">
+            <a:avLst/>
+          </a:prstGeom>
+        </p:spPr>
+      </p:pic>
+      <p:sp>
+        <p:nvSpPr>
+          <p:cNvPr id="2" name="Title 1">
+            <a:extLst>
+              <a:ext uri="{FF2B5EF4-FFF2-40B4-BE49-F238E27FC236}">
+                <a16:creationId xmlns:a16="http://schemas.microsoft.com/office/drawing/2014/main" id="{D78D0989-E3E5-41DB-A78D-61E199491D89}"/>
+              </a:ext>
+            </a:extLst>
+          </p:cNvPr>
+          <p:cNvSpPr>
+            <a:spLocks noGrp="1"/>
+          </p:cNvSpPr>
+          <p:nvPr>
+            <p:ph type="title"/>
+          </p:nvPr>
+        </p:nvSpPr>
+        <p:spPr/>
+        <p:txBody>
+          <a:bodyPr>
+            <a:normAutofit/>
+          </a:bodyPr>
+          <a:lstStyle/>
+          <a:p>
+            <a:r>
+              <a:rPr lang="en-US" dirty="0" smtClean="0">
+                <a:latin typeface="Tw Cen MT" panose="020B0602020104020603" pitchFamily="34" charset="0"/>
+              </a:rPr>
+              <a:t>1.6 </a:t>
+            </a:r>
+            <a:r>
+              <a:rPr lang="en-US" altLang="en-US" dirty="0">
+                <a:latin typeface="Arial" panose="020B0604020202020204" pitchFamily="34" charset="0"/>
+              </a:rPr>
+              <a:t>Trends in </a:t>
+            </a:r>
+            <a:r>
+              <a:rPr lang="en-US" altLang="en-US" dirty="0" smtClean="0">
+                <a:latin typeface="Arial" panose="020B0604020202020204" pitchFamily="34" charset="0"/>
+              </a:rPr>
+              <a:t>Cost</a:t>
+            </a:r>
+            <a:endParaRPr lang="en-US" dirty="0">
+              <a:latin typeface="Tw Cen MT" panose="020B0602020104020603" pitchFamily="34" charset="0"/>
+            </a:endParaRPr>
+          </a:p>
+        </p:txBody>
+      </p:sp>
+      <p:sp>
+        <p:nvSpPr>
+          <p:cNvPr id="7" name="Rectangle 2"/>
+          <p:cNvSpPr>
+            <a:spLocks noChangeArrowheads="1"/>
+          </p:cNvSpPr>
+          <p:nvPr/>
+        </p:nvSpPr>
+        <p:spPr bwMode="auto">
+          <a:xfrm>
+            <a:off x="404341" y="2053889"/>
+            <a:ext cx="11347166" cy="4247317"/>
+          </a:xfrm>
+          <a:prstGeom prst="rect">
+            <a:avLst/>
+          </a:prstGeom>
+          <a:noFill/>
+          <a:ln>
+            <a:noFill/>
+          </a:ln>
+          <a:effectLst/>
+          <a:extLst>
+            <a:ext uri="{909E8E84-426E-40DD-AFC4-6F175D3DCCD1}">
+              <a14:hiddenFill xmlns:a14="http://schemas.microsoft.com/office/drawing/2010/main">
+                <a:solidFill>
+                  <a:schemeClr val="accent1"/>
+                </a:solidFill>
+              </a14:hiddenFill>
+            </a:ext>
+            <a:ext uri="{91240B29-F687-4F45-9708-019B960494DF}">
+              <a14:hiddenLine xmlns:a14="http://schemas.microsoft.com/office/drawing/2010/main" w="9525">
+                <a:solidFill>
+                  <a:schemeClr val="tx1"/>
+                </a:solidFill>
+                <a:miter lim="800000"/>
+                <a:headEnd/>
+                <a:tailEnd/>
+              </a14:hiddenLine>
+            </a:ext>
+            <a:ext uri="{AF507438-7753-43E0-B8FC-AC1667EBCBE1}">
+              <a14:hiddenEffects xmlns:a14="http://schemas.microsoft.com/office/drawing/2010/main">
+                <a:effectLst>
+                  <a:outerShdw dist="35921" dir="2700000" algn="ctr" rotWithShape="0">
+                    <a:schemeClr val="bg2"/>
+                  </a:outerShdw>
+                </a:effectLst>
+              </a14:hiddenEffects>
+            </a:ext>
+          </a:extLst>
+        </p:spPr>
+        <p:txBody>
+          <a:bodyPr vert="horz" wrap="square" lIns="91440" tIns="45720" rIns="91440" bIns="45720" numCol="1" anchor="ctr" anchorCtr="0" compatLnSpc="1">
+            <a:prstTxWarp prst="textNoShape">
+              <a:avLst/>
+            </a:prstTxWarp>
+            <a:spAutoFit/>
+          </a:bodyPr>
+          <a:lstStyle/>
+          <a:p>
+            <a:pPr marL="0" marR="0" lvl="0" indent="0" algn="l" defTabSz="914400" rtl="0" eaLnBrk="0" fontAlgn="base" latinLnBrk="0" hangingPunct="0">
+              <a:lnSpc>
+                <a:spcPct val="100000"/>
+              </a:lnSpc>
+              <a:spcBef>
+                <a:spcPct val="0"/>
+              </a:spcBef>
+              <a:spcAft>
+                <a:spcPct val="0"/>
+              </a:spcAft>
+              <a:buClrTx/>
+              <a:buSzTx/>
+              <a:buFontTx/>
+              <a:buChar char="•"/>
+              <a:tabLst/>
+            </a:pPr>
+            <a:endParaRPr kumimoji="0" lang="en-US" altLang="en-US" sz="1800" b="0" i="0" u="none" strike="noStrike" cap="none" normalizeH="0" baseline="0" dirty="0" smtClean="0">
+              <a:ln>
+                <a:noFill/>
+              </a:ln>
+              <a:solidFill>
+                <a:schemeClr val="tx1"/>
+              </a:solidFill>
+              <a:effectLst/>
+              <a:latin typeface="Arial" panose="020B0604020202020204" pitchFamily="34" charset="0"/>
+            </a:endParaRPr>
+          </a:p>
+          <a:p>
+            <a:pPr marL="0" marR="0" lvl="0" indent="0" algn="l" defTabSz="914400" rtl="0" eaLnBrk="0" fontAlgn="base" latinLnBrk="0" hangingPunct="0">
+              <a:lnSpc>
+                <a:spcPct val="100000"/>
+              </a:lnSpc>
+              <a:spcBef>
+                <a:spcPct val="0"/>
+              </a:spcBef>
+              <a:spcAft>
+                <a:spcPct val="0"/>
+              </a:spcAft>
+              <a:buClrTx/>
+              <a:buSzTx/>
+              <a:buFontTx/>
+              <a:buChar char="•"/>
+              <a:tabLst/>
+            </a:pPr>
+            <a:r>
+              <a:rPr kumimoji="0" lang="en-US" altLang="en-US" sz="1800" b="0" i="0" u="none" strike="noStrike" cap="none" normalizeH="0" baseline="0" dirty="0" smtClean="0">
+                <a:ln>
+                  <a:noFill/>
+                </a:ln>
+                <a:solidFill>
+                  <a:schemeClr val="tx1"/>
+                </a:solidFill>
+                <a:effectLst/>
+                <a:latin typeface="Arial" panose="020B0604020202020204" pitchFamily="34" charset="0"/>
+              </a:rPr>
+              <a:t>Several factors influence the cost of computer components: </a:t>
+            </a:r>
+          </a:p>
+          <a:p>
+            <a:pPr marL="0" marR="0" lvl="0" indent="0" algn="l" defTabSz="914400" rtl="0" eaLnBrk="0" fontAlgn="base" latinLnBrk="0" hangingPunct="0">
+              <a:lnSpc>
+                <a:spcPct val="100000"/>
+              </a:lnSpc>
+              <a:spcBef>
+                <a:spcPct val="0"/>
+              </a:spcBef>
+              <a:spcAft>
+                <a:spcPct val="0"/>
+              </a:spcAft>
+              <a:buClrTx/>
+              <a:buSzTx/>
+              <a:buFontTx/>
+              <a:buChar char="•"/>
+              <a:tabLst/>
+            </a:pPr>
+            <a:endParaRPr kumimoji="0" lang="en-US" altLang="en-US" sz="1800" b="0" i="0" u="none" strike="noStrike" cap="none" normalizeH="0" baseline="0" dirty="0" smtClean="0">
+              <a:ln>
+                <a:noFill/>
+              </a:ln>
+              <a:solidFill>
+                <a:schemeClr val="tx1"/>
+              </a:solidFill>
+              <a:effectLst/>
+              <a:latin typeface="Arial" panose="020B0604020202020204" pitchFamily="34" charset="0"/>
+            </a:endParaRPr>
+          </a:p>
+          <a:p>
+            <a:pPr marL="457200" marR="0" lvl="1" indent="0" algn="l" defTabSz="914400" rtl="0" eaLnBrk="0" fontAlgn="base" latinLnBrk="0" hangingPunct="0">
+              <a:lnSpc>
+                <a:spcPct val="100000"/>
+              </a:lnSpc>
+              <a:spcBef>
+                <a:spcPct val="0"/>
+              </a:spcBef>
+              <a:spcAft>
+                <a:spcPct val="0"/>
+              </a:spcAft>
+              <a:buClrTx/>
+              <a:buSzTx/>
+              <a:buFontTx/>
+              <a:buChar char="•"/>
+              <a:tabLst/>
+            </a:pPr>
+            <a:r>
+              <a:rPr kumimoji="0" lang="en-US" altLang="en-US" sz="1800" b="1" i="0" u="none" strike="noStrike" cap="none" normalizeH="0" baseline="0" dirty="0" smtClean="0">
+                <a:ln>
+                  <a:noFill/>
+                </a:ln>
+                <a:solidFill>
+                  <a:schemeClr val="tx1"/>
+                </a:solidFill>
+                <a:effectLst/>
+                <a:latin typeface="Arial" panose="020B0604020202020204" pitchFamily="34" charset="0"/>
+              </a:rPr>
+              <a:t>Time:</a:t>
+            </a:r>
+            <a:r>
+              <a:rPr kumimoji="0" lang="en-US" altLang="en-US" sz="1800" b="0" i="0" u="none" strike="noStrike" cap="none" normalizeH="0" baseline="0" dirty="0" smtClean="0">
+                <a:ln>
+                  <a:noFill/>
+                </a:ln>
+                <a:solidFill>
+                  <a:schemeClr val="tx1"/>
+                </a:solidFill>
+                <a:effectLst/>
+                <a:latin typeface="Arial" panose="020B0604020202020204" pitchFamily="34" charset="0"/>
+              </a:rPr>
+              <a:t> Manufacturing costs decrease over time due to improved production yields as manufacturers gain experience. This is often referred to as the "learning curve".   </a:t>
+            </a:r>
+          </a:p>
+          <a:p>
+            <a:pPr marL="457200" marR="0" lvl="1" indent="0" algn="l" defTabSz="914400" rtl="0" eaLnBrk="0" fontAlgn="base" latinLnBrk="0" hangingPunct="0">
+              <a:lnSpc>
+                <a:spcPct val="100000"/>
+              </a:lnSpc>
+              <a:spcBef>
+                <a:spcPct val="0"/>
+              </a:spcBef>
+              <a:spcAft>
+                <a:spcPct val="0"/>
+              </a:spcAft>
+              <a:buClrTx/>
+              <a:buSzTx/>
+              <a:buFontTx/>
+              <a:buChar char="•"/>
+              <a:tabLst/>
+            </a:pPr>
+            <a:r>
+              <a:rPr kumimoji="0" lang="en-US" altLang="en-US" sz="1800" b="1" i="0" u="none" strike="noStrike" cap="none" normalizeH="0" baseline="0" dirty="0" smtClean="0">
+                <a:ln>
+                  <a:noFill/>
+                </a:ln>
+                <a:solidFill>
+                  <a:schemeClr val="tx1"/>
+                </a:solidFill>
+                <a:effectLst/>
+                <a:latin typeface="Arial" panose="020B0604020202020204" pitchFamily="34" charset="0"/>
+              </a:rPr>
+              <a:t>Volume:</a:t>
+            </a:r>
+            <a:r>
+              <a:rPr kumimoji="0" lang="en-US" altLang="en-US" sz="1800" b="0" i="0" u="none" strike="noStrike" cap="none" normalizeH="0" baseline="0" dirty="0" smtClean="0">
+                <a:ln>
+                  <a:noFill/>
+                </a:ln>
+                <a:solidFill>
+                  <a:schemeClr val="tx1"/>
+                </a:solidFill>
+                <a:effectLst/>
+                <a:latin typeface="Arial" panose="020B0604020202020204" pitchFamily="34" charset="0"/>
+              </a:rPr>
+              <a:t> Higher production volumes accelerate the learning curve effect, further reducing costs and increasing production efficiency.   </a:t>
+            </a:r>
+          </a:p>
+          <a:p>
+            <a:pPr marL="457200" marR="0" lvl="1" indent="0" algn="l" defTabSz="914400" rtl="0" eaLnBrk="0" fontAlgn="base" latinLnBrk="0" hangingPunct="0">
+              <a:lnSpc>
+                <a:spcPct val="100000"/>
+              </a:lnSpc>
+              <a:spcBef>
+                <a:spcPct val="0"/>
+              </a:spcBef>
+              <a:spcAft>
+                <a:spcPct val="0"/>
+              </a:spcAft>
+              <a:buClrTx/>
+              <a:buSzTx/>
+              <a:buFontTx/>
+              <a:buChar char="•"/>
+              <a:tabLst/>
+            </a:pPr>
+            <a:r>
+              <a:rPr kumimoji="0" lang="en-US" altLang="en-US" sz="1800" b="1" i="0" u="none" strike="noStrike" cap="none" normalizeH="0" baseline="0" dirty="0" smtClean="0">
+                <a:ln>
+                  <a:noFill/>
+                </a:ln>
+                <a:solidFill>
+                  <a:schemeClr val="tx1"/>
+                </a:solidFill>
+                <a:effectLst/>
+                <a:latin typeface="Arial" panose="020B0604020202020204" pitchFamily="34" charset="0"/>
+              </a:rPr>
+              <a:t>Commoditization:</a:t>
+            </a:r>
+            <a:r>
+              <a:rPr kumimoji="0" lang="en-US" altLang="en-US" sz="1800" b="0" i="0" u="none" strike="noStrike" cap="none" normalizeH="0" baseline="0" dirty="0" smtClean="0">
+                <a:ln>
+                  <a:noFill/>
+                </a:ln>
+                <a:solidFill>
+                  <a:schemeClr val="tx1"/>
+                </a:solidFill>
+                <a:effectLst/>
+                <a:latin typeface="Arial" panose="020B0604020202020204" pitchFamily="34" charset="0"/>
+              </a:rPr>
+              <a:t> Increased competition among component suppliers drives prices down.   </a:t>
+            </a:r>
+          </a:p>
+          <a:p>
+            <a:pPr marL="457200" marR="0" lvl="1" indent="0" algn="l" defTabSz="914400" rtl="0" eaLnBrk="0" fontAlgn="base" latinLnBrk="0" hangingPunct="0">
+              <a:lnSpc>
+                <a:spcPct val="100000"/>
+              </a:lnSpc>
+              <a:spcBef>
+                <a:spcPct val="0"/>
+              </a:spcBef>
+              <a:spcAft>
+                <a:spcPct val="0"/>
+              </a:spcAft>
+              <a:buClrTx/>
+              <a:buSzTx/>
+              <a:buFontTx/>
+              <a:buChar char="•"/>
+              <a:tabLst/>
+            </a:pPr>
+            <a:endParaRPr kumimoji="0" lang="en-US" altLang="en-US" sz="1800" b="0" i="0" u="none" strike="noStrike" cap="none" normalizeH="0" baseline="0" dirty="0" smtClean="0">
+              <a:ln>
+                <a:noFill/>
+              </a:ln>
+              <a:solidFill>
+                <a:schemeClr val="tx1"/>
+              </a:solidFill>
+              <a:effectLst/>
+              <a:latin typeface="Arial" panose="020B0604020202020204" pitchFamily="34" charset="0"/>
+            </a:endParaRPr>
+          </a:p>
+          <a:p>
+            <a:pPr marL="0" marR="0" lvl="0" indent="0" algn="l" defTabSz="914400" rtl="0" eaLnBrk="0" fontAlgn="base" latinLnBrk="0" hangingPunct="0">
+              <a:lnSpc>
+                <a:spcPct val="100000"/>
+              </a:lnSpc>
+              <a:spcBef>
+                <a:spcPct val="0"/>
+              </a:spcBef>
+              <a:spcAft>
+                <a:spcPct val="0"/>
+              </a:spcAft>
+              <a:buClrTx/>
+              <a:buSzTx/>
+              <a:buFontTx/>
+              <a:buChar char="•"/>
+              <a:tabLst/>
+            </a:pPr>
+            <a:r>
+              <a:rPr kumimoji="0" lang="en-US" altLang="en-US" sz="1800" b="0" i="0" u="none" strike="noStrike" cap="none" normalizeH="0" baseline="0" dirty="0" smtClean="0">
+                <a:ln>
+                  <a:noFill/>
+                </a:ln>
+                <a:solidFill>
+                  <a:schemeClr val="tx1"/>
+                </a:solidFill>
+                <a:effectLst/>
+                <a:latin typeface="Arial" panose="020B0604020202020204" pitchFamily="34" charset="0"/>
+              </a:rPr>
+              <a:t>Integrated circuits represent an increasing portion of the variable costs in computers.   </a:t>
+            </a:r>
+          </a:p>
+          <a:p>
+            <a:pPr marL="0" marR="0" lvl="0" indent="0" algn="l" defTabSz="914400" rtl="0" eaLnBrk="0" fontAlgn="base" latinLnBrk="0" hangingPunct="0">
+              <a:lnSpc>
+                <a:spcPct val="100000"/>
+              </a:lnSpc>
+              <a:spcBef>
+                <a:spcPct val="0"/>
+              </a:spcBef>
+              <a:spcAft>
+                <a:spcPct val="0"/>
+              </a:spcAft>
+              <a:buClrTx/>
+              <a:buSzTx/>
+              <a:buFontTx/>
+              <a:buChar char="•"/>
+              <a:tabLst/>
+            </a:pPr>
+            <a:endParaRPr kumimoji="0" lang="en-US" altLang="en-US" sz="1800" b="0" i="0" u="none" strike="noStrike" cap="none" normalizeH="0" baseline="0" dirty="0" smtClean="0">
+              <a:ln>
+                <a:noFill/>
+              </a:ln>
+              <a:solidFill>
+                <a:schemeClr val="tx1"/>
+              </a:solidFill>
+              <a:effectLst/>
+              <a:latin typeface="Arial" panose="020B0604020202020204" pitchFamily="34" charset="0"/>
+            </a:endParaRPr>
+          </a:p>
+          <a:p>
+            <a:pPr marL="0" marR="0" lvl="0" indent="0" algn="l" defTabSz="914400" rtl="0" eaLnBrk="0" fontAlgn="base" latinLnBrk="0" hangingPunct="0">
+              <a:lnSpc>
+                <a:spcPct val="100000"/>
+              </a:lnSpc>
+              <a:spcBef>
+                <a:spcPct val="0"/>
+              </a:spcBef>
+              <a:spcAft>
+                <a:spcPct val="0"/>
+              </a:spcAft>
+              <a:buClrTx/>
+              <a:buSzTx/>
+              <a:buFontTx/>
+              <a:buChar char="•"/>
+              <a:tabLst/>
+            </a:pPr>
+            <a:r>
+              <a:rPr kumimoji="0" lang="en-US" altLang="en-US" sz="1800" b="0" i="0" u="none" strike="noStrike" cap="none" normalizeH="0" baseline="0" dirty="0" smtClean="0">
+                <a:ln>
+                  <a:noFill/>
+                </a:ln>
+                <a:solidFill>
+                  <a:schemeClr val="tx1"/>
+                </a:solidFill>
+                <a:effectLst/>
+                <a:latin typeface="Arial" panose="020B0604020202020204" pitchFamily="34" charset="0"/>
+              </a:rPr>
+              <a:t>The cost of a die (the individual chip) is significantly affected by its area. Die cost increases roughly with the square of the die area. This relationship is influenced by factors like wafer diameter and defect density.</a:t>
+            </a:r>
+          </a:p>
+          <a:p>
+            <a:pPr marL="0" marR="0" lvl="0" indent="0" algn="l" defTabSz="914400" rtl="0" eaLnBrk="0" fontAlgn="base" latinLnBrk="0" hangingPunct="0">
+              <a:lnSpc>
+                <a:spcPct val="100000"/>
+              </a:lnSpc>
+              <a:spcBef>
+                <a:spcPct val="0"/>
+              </a:spcBef>
+              <a:spcAft>
+                <a:spcPct val="0"/>
+              </a:spcAft>
+              <a:buClrTx/>
+              <a:buSzTx/>
+              <a:buFontTx/>
+              <a:buChar char="•"/>
+              <a:tabLst/>
+            </a:pPr>
+            <a:endParaRPr kumimoji="0" lang="en-US" altLang="en-US" sz="1800" b="0" i="0" u="none" strike="noStrike" cap="none" normalizeH="0" baseline="0" dirty="0" smtClean="0">
+              <a:ln>
+                <a:noFill/>
+              </a:ln>
+              <a:solidFill>
+                <a:schemeClr val="tx1"/>
+              </a:solidFill>
+              <a:effectLst/>
+              <a:latin typeface="Arial" panose="020B0604020202020204" pitchFamily="34" charset="0"/>
+            </a:endParaRPr>
+          </a:p>
+          <a:p>
+            <a:pPr marL="0" marR="0" lvl="0" indent="0" algn="l" defTabSz="914400" rtl="0" eaLnBrk="0" fontAlgn="base" latinLnBrk="0" hangingPunct="0">
+              <a:lnSpc>
+                <a:spcPct val="100000"/>
+              </a:lnSpc>
+              <a:spcBef>
+                <a:spcPct val="0"/>
+              </a:spcBef>
+              <a:spcAft>
+                <a:spcPct val="0"/>
+              </a:spcAft>
+              <a:buClrTx/>
+              <a:buSzTx/>
+              <a:buFontTx/>
+              <a:buNone/>
+              <a:tabLst/>
+            </a:pPr>
+            <a:endParaRPr kumimoji="0" lang="en-US" altLang="en-US" sz="1800" b="0" i="0" u="none" strike="noStrike" cap="none" normalizeH="0" baseline="0" dirty="0" smtClean="0">
+              <a:ln>
+                <a:noFill/>
+              </a:ln>
+              <a:solidFill>
+                <a:schemeClr val="tx1"/>
+              </a:solidFill>
+              <a:effectLst/>
+              <a:latin typeface="Arial" panose="020B0604020202020204" pitchFamily="34" charset="0"/>
+            </a:endParaRPr>
+          </a:p>
+        </p:txBody>
+      </p:sp>
+    </p:spTree>
+    <p:extLst>
+      <p:ext uri="{BB962C8B-B14F-4D97-AF65-F5344CB8AC3E}">
+        <p14:creationId xmlns:p14="http://schemas.microsoft.com/office/powerpoint/2010/main" val="3083103622"/>
       </p:ext>
     </p:extLst>
   </p:cSld>
@@ -14756,7 +17105,7 @@
                 <a14:useLocalDpi xmlns:a14="http://schemas.microsoft.com/office/drawing/2010/main" val="0"/>
               </a:ext>
               <a:ext uri="{96DAC541-7B7A-43D3-8B79-37D633B846F1}">
-                <asvg:svgBlip xmlns="" xmlns:asvg="http://schemas.microsoft.com/office/drawing/2016/SVG/main" r:embed="rId4"/>
+                <asvg:svgBlip xmlns:asvg="http://schemas.microsoft.com/office/drawing/2016/SVG/main" xmlns="" r:embed="rId4"/>
               </a:ext>
             </a:extLst>
           </a:blip>
@@ -14922,7 +17271,7 @@
                 <a16:creationId xmlns:a16="http://schemas.microsoft.com/office/drawing/2014/main" id="{6EB24599-0719-48BC-AB48-E49D34953116}"/>
               </a:ext>
               <a:ext uri="{C183D7F6-B498-43B3-948B-1728B52AA6E4}">
-                <adec:decorative xmlns="" xmlns:adec="http://schemas.microsoft.com/office/drawing/2017/decorative" val="1"/>
+                <adec:decorative xmlns:adec="http://schemas.microsoft.com/office/drawing/2017/decorative" xmlns="" val="1"/>
               </a:ext>
             </a:extLst>
           </p:cNvPr>
@@ -17733,7 +20082,7 @@
                 <a14:useLocalDpi xmlns:a14="http://schemas.microsoft.com/office/drawing/2010/main" val="0"/>
               </a:ext>
               <a:ext uri="{96DAC541-7B7A-43D3-8B79-37D633B846F1}">
-                <asvg:svgBlip xmlns="" xmlns:asvg="http://schemas.microsoft.com/office/drawing/2016/SVG/main" r:embed="rId4"/>
+                <asvg:svgBlip xmlns:asvg="http://schemas.microsoft.com/office/drawing/2016/SVG/main" xmlns="" r:embed="rId4"/>
               </a:ext>
             </a:extLst>
           </a:blip>
@@ -18009,7 +20358,7 @@
                 <a14:useLocalDpi xmlns:a14="http://schemas.microsoft.com/office/drawing/2010/main" val="0"/>
               </a:ext>
               <a:ext uri="{96DAC541-7B7A-43D3-8B79-37D633B846F1}">
-                <asvg:svgBlip xmlns="" xmlns:asvg="http://schemas.microsoft.com/office/drawing/2016/SVG/main" r:embed="rId4"/>
+                <asvg:svgBlip xmlns:asvg="http://schemas.microsoft.com/office/drawing/2016/SVG/main" xmlns="" r:embed="rId4"/>
               </a:ext>
             </a:extLst>
           </a:blip>
@@ -18225,7 +20574,7 @@
                 <a14:useLocalDpi xmlns:a14="http://schemas.microsoft.com/office/drawing/2010/main" val="0"/>
               </a:ext>
               <a:ext uri="{96DAC541-7B7A-43D3-8B79-37D633B846F1}">
-                <asvg:svgBlip xmlns="" xmlns:asvg="http://schemas.microsoft.com/office/drawing/2016/SVG/main" r:embed="rId4"/>
+                <asvg:svgBlip xmlns:asvg="http://schemas.microsoft.com/office/drawing/2016/SVG/main" xmlns="" r:embed="rId4"/>
               </a:ext>
             </a:extLst>
           </a:blip>
@@ -18489,7 +20838,7 @@
                 <a14:useLocalDpi xmlns:a14="http://schemas.microsoft.com/office/drawing/2010/main" val="0"/>
               </a:ext>
               <a:ext uri="{96DAC541-7B7A-43D3-8B79-37D633B846F1}">
-                <asvg:svgBlip xmlns="" xmlns:asvg="http://schemas.microsoft.com/office/drawing/2016/SVG/main" r:embed="rId4"/>
+                <asvg:svgBlip xmlns:asvg="http://schemas.microsoft.com/office/drawing/2016/SVG/main" xmlns="" r:embed="rId4"/>
               </a:ext>
             </a:extLst>
           </a:blip>
@@ -18671,7 +21020,7 @@
                 <a14:useLocalDpi xmlns:a14="http://schemas.microsoft.com/office/drawing/2010/main" val="0"/>
               </a:ext>
               <a:ext uri="{96DAC541-7B7A-43D3-8B79-37D633B846F1}">
-                <asvg:svgBlip xmlns="" xmlns:asvg="http://schemas.microsoft.com/office/drawing/2016/SVG/main" r:embed="rId4"/>
+                <asvg:svgBlip xmlns:asvg="http://schemas.microsoft.com/office/drawing/2016/SVG/main" xmlns="" r:embed="rId4"/>
               </a:ext>
             </a:extLst>
           </a:blip>
@@ -18714,13 +21063,7 @@
               <a:rPr lang="en-US" dirty="0" smtClean="0">
                 <a:latin typeface="Tw Cen MT" panose="020B0602020104020603" pitchFamily="34" charset="0"/>
               </a:rPr>
-              <a:t>1.3 </a:t>
-            </a:r>
-            <a:r>
-              <a:rPr lang="en-US" dirty="0" smtClean="0">
-                <a:latin typeface="Tw Cen MT" panose="020B0602020104020603" pitchFamily="34" charset="0"/>
-              </a:rPr>
-              <a:t>Defining Computer Architecture</a:t>
+              <a:t>1.3 Defining Computer Architecture</a:t>
             </a:r>
             <a:endParaRPr lang="en-US" dirty="0">
               <a:latin typeface="Tw Cen MT" panose="020B0602020104020603" pitchFamily="34" charset="0"/>
@@ -18997,7 +21340,7 @@
                 <a14:useLocalDpi xmlns:a14="http://schemas.microsoft.com/office/drawing/2010/main" val="0"/>
               </a:ext>
               <a:ext uri="{96DAC541-7B7A-43D3-8B79-37D633B846F1}">
-                <asvg:svgBlip xmlns="" xmlns:asvg="http://schemas.microsoft.com/office/drawing/2016/SVG/main" r:embed="rId4"/>
+                <asvg:svgBlip xmlns:asvg="http://schemas.microsoft.com/office/drawing/2016/SVG/main" xmlns="" r:embed="rId4"/>
               </a:ext>
             </a:extLst>
           </a:blip>
@@ -19040,13 +21383,7 @@
               <a:rPr lang="en-US" dirty="0" smtClean="0">
                 <a:latin typeface="Tw Cen MT" panose="020B0602020104020603" pitchFamily="34" charset="0"/>
               </a:rPr>
-              <a:t>1.3 </a:t>
-            </a:r>
-            <a:r>
-              <a:rPr lang="en-US" dirty="0" smtClean="0">
-                <a:latin typeface="Tw Cen MT" panose="020B0602020104020603" pitchFamily="34" charset="0"/>
-              </a:rPr>
-              <a:t>Defining Computer Architecture</a:t>
+              <a:t>1.3 Defining Computer Architecture</a:t>
             </a:r>
             <a:endParaRPr lang="en-US" dirty="0">
               <a:latin typeface="Tw Cen MT" panose="020B0602020104020603" pitchFamily="34" charset="0"/>
@@ -20376,20 +22713,20 @@
 </file>
 
 <file path=customXml/item2.xml><?xml version="1.0" encoding="utf-8"?>
+<p:properties xmlns:p="http://schemas.microsoft.com/office/2006/metadata/properties" xmlns:xsi="http://www.w3.org/2001/XMLSchema-instance" xmlns:pc="http://schemas.microsoft.com/office/infopath/2007/PartnerControls">
+  <documentManagement>
+    <MediaServiceKeyPoints xmlns="71af3243-3dd4-4a8d-8c0d-dd76da1f02a5" xsi:nil="true"/>
+  </documentManagement>
+</p:properties>
+</file>
+
+<file path=customXml/item3.xml><?xml version="1.0" encoding="utf-8"?>
 <?mso-contentType ?>
 <FormTemplates xmlns="http://schemas.microsoft.com/sharepoint/v3/contenttype/forms">
   <Display>DocumentLibraryForm</Display>
   <Edit>DocumentLibraryForm</Edit>
   <New>DocumentLibraryForm</New>
 </FormTemplates>
-</file>
-
-<file path=customXml/item3.xml><?xml version="1.0" encoding="utf-8"?>
-<p:properties xmlns:p="http://schemas.microsoft.com/office/2006/metadata/properties" xmlns:xsi="http://www.w3.org/2001/XMLSchema-instance" xmlns:pc="http://schemas.microsoft.com/office/infopath/2007/PartnerControls">
-  <documentManagement>
-    <MediaServiceKeyPoints xmlns="71af3243-3dd4-4a8d-8c0d-dd76da1f02a5" xsi:nil="true"/>
-  </documentManagement>
-</p:properties>
 </file>
 
 <file path=customXml/itemProps1.xml><?xml version="1.0" encoding="utf-8"?>
@@ -20412,14 +22749,6 @@
 </file>
 
 <file path=customXml/itemProps2.xml><?xml version="1.0" encoding="utf-8"?>
-<ds:datastoreItem xmlns:ds="http://schemas.openxmlformats.org/officeDocument/2006/customXml" ds:itemID="{B12AB9FA-5EE8-4111-B873-E09ACA2BC395}">
-  <ds:schemaRefs>
-    <ds:schemaRef ds:uri="http://schemas.microsoft.com/sharepoint/v3/contenttype/forms"/>
-  </ds:schemaRefs>
-</ds:datastoreItem>
-</file>
-
-<file path=customXml/itemProps3.xml><?xml version="1.0" encoding="utf-8"?>
 <ds:datastoreItem xmlns:ds="http://schemas.openxmlformats.org/officeDocument/2006/customXml" ds:itemID="{FCF1D2AC-2735-457E-B639-07E13F9A629B}">
   <ds:schemaRefs>
     <ds:schemaRef ds:uri="http://schemas.microsoft.com/office/2006/metadata/properties"/>
@@ -20427,4 +22756,12 @@
     <ds:schemaRef ds:uri="71af3243-3dd4-4a8d-8c0d-dd76da1f02a5"/>
   </ds:schemaRefs>
 </ds:datastoreItem>
+</file>
+
+<file path=customXml/itemProps3.xml><?xml version="1.0" encoding="utf-8"?>
+<ds:datastoreItem xmlns:ds="http://schemas.openxmlformats.org/officeDocument/2006/customXml" ds:itemID="{B12AB9FA-5EE8-4111-B873-E09ACA2BC395}">
+  <ds:schemaRefs>
+    <ds:schemaRef ds:uri="http://schemas.microsoft.com/sharepoint/v3/contenttype/forms"/>
+  </ds:schemaRefs>
+</ds:datastoreItem>
 </file>